--- a/_SLIDES/2020/H8-Arrays/6b_arrays en methoden.pptx
+++ b/_SLIDES/2020/H8-Arrays/6b_arrays en methoden.pptx
@@ -5,7 +5,7 @@
     <p:sldMasterId id="2147483660" r:id="rId1"/>
   </p:sldMasterIdLst>
   <p:notesMasterIdLst>
-    <p:notesMasterId r:id="rId18"/>
+    <p:notesMasterId r:id="rId15"/>
   </p:notesMasterIdLst>
   <p:sldIdLst>
     <p:sldId id="1966" r:id="rId2"/>
@@ -19,39 +19,36 @@
     <p:sldId id="1972" r:id="rId10"/>
     <p:sldId id="1973" r:id="rId11"/>
     <p:sldId id="1974" r:id="rId12"/>
-    <p:sldId id="1877" r:id="rId13"/>
-    <p:sldId id="1878" r:id="rId14"/>
-    <p:sldId id="1879" r:id="rId15"/>
-    <p:sldId id="1880" r:id="rId16"/>
-    <p:sldId id="1964" r:id="rId17"/>
+    <p:sldId id="1975" r:id="rId13"/>
+    <p:sldId id="1976" r:id="rId14"/>
   </p:sldIdLst>
   <p:sldSz cx="12192000" cy="6858000"/>
   <p:notesSz cx="6858000" cy="9144000"/>
   <p:embeddedFontLst>
     <p:embeddedFont>
       <p:font typeface="Archivo Narrow" panose="020B0506020202020B04" pitchFamily="34" charset="0"/>
-      <p:regular r:id="rId19"/>
-      <p:bold r:id="rId20"/>
-      <p:italic r:id="rId21"/>
+      <p:regular r:id="rId16"/>
+      <p:bold r:id="rId17"/>
+      <p:italic r:id="rId18"/>
     </p:embeddedFont>
     <p:embeddedFont>
       <p:font typeface="Blogger Sans" panose="02000506030000020004" pitchFamily="50" charset="0"/>
-      <p:regular r:id="rId22"/>
-      <p:bold r:id="rId23"/>
+      <p:regular r:id="rId19"/>
+      <p:bold r:id="rId20"/>
     </p:embeddedFont>
     <p:embeddedFont>
       <p:font typeface="Calibri" panose="020F0502020204030204" pitchFamily="34" charset="0"/>
-      <p:regular r:id="rId24"/>
-      <p:bold r:id="rId25"/>
-      <p:italic r:id="rId26"/>
-      <p:boldItalic r:id="rId27"/>
+      <p:regular r:id="rId21"/>
+      <p:bold r:id="rId22"/>
+      <p:italic r:id="rId23"/>
+      <p:boldItalic r:id="rId24"/>
     </p:embeddedFont>
     <p:embeddedFont>
       <p:font typeface="Consolas" panose="020B0609020204030204" pitchFamily="49" charset="0"/>
-      <p:regular r:id="rId28"/>
-      <p:bold r:id="rId29"/>
-      <p:italic r:id="rId30"/>
-      <p:boldItalic r:id="rId31"/>
+      <p:regular r:id="rId25"/>
+      <p:bold r:id="rId26"/>
+      <p:italic r:id="rId27"/>
+      <p:boldItalic r:id="rId28"/>
     </p:embeddedFont>
   </p:embeddedFontLst>
   <p:defaultTextStyle>
@@ -239,7 +236,7 @@
           <a:p>
             <a:fld id="{AAB1E9D1-C262-4CF5-AED2-7DBFF7C74527}" type="datetimeFigureOut">
               <a:rPr lang="nl-BE" smtClean="0"/>
-              <a:t>17/09/2020</a:t>
+              <a:t>21/09/2020</a:t>
             </a:fld>
             <a:endParaRPr lang="nl-BE"/>
           </a:p>
@@ -1483,982 +1480,6 @@
 </p:notes>
 </file>
 
-<file path=ppt/notesSlides/notesSlide5.xml><?xml version="1.0" encoding="utf-8"?>
-<p:notes xmlns:a="http://schemas.openxmlformats.org/drawingml/2006/main" xmlns:r="http://schemas.openxmlformats.org/officeDocument/2006/relationships" xmlns:p="http://schemas.openxmlformats.org/presentationml/2006/main">
-  <p:cSld>
-    <p:spTree>
-      <p:nvGrpSpPr>
-        <p:cNvPr id="1" name=""/>
-        <p:cNvGrpSpPr/>
-        <p:nvPr/>
-      </p:nvGrpSpPr>
-      <p:grpSpPr>
-        <a:xfrm>
-          <a:off x="0" y="0"/>
-          <a:ext cx="0" cy="0"/>
-          <a:chOff x="0" y="0"/>
-          <a:chExt cx="0" cy="0"/>
-        </a:xfrm>
-      </p:grpSpPr>
-      <p:sp>
-        <p:nvSpPr>
-          <p:cNvPr id="59394" name="Rectangle 7"/>
-          <p:cNvSpPr>
-            <a:spLocks noGrp="1" noChangeArrowheads="1"/>
-          </p:cNvSpPr>
-          <p:nvPr>
-            <p:ph type="sldNum" sz="quarter" idx="5"/>
-          </p:nvPr>
-        </p:nvSpPr>
-        <p:spPr>
-          <a:noFill/>
-          <a:ln/>
-          <a:extLst>
-            <a:ext uri="{909E8E84-426E-40DD-AFC4-6F175D3DCCD1}">
-              <a14:hiddenFill xmlns:a14="http://schemas.microsoft.com/office/drawing/2010/main">
-                <a:solidFill>
-                  <a:srgbClr val="FFFFFF"/>
-                </a:solidFill>
-              </a14:hiddenFill>
-            </a:ext>
-            <a:ext uri="{91240B29-F687-4F45-9708-019B960494DF}">
-              <a14:hiddenLine xmlns:a14="http://schemas.microsoft.com/office/drawing/2010/main" w="9525">
-                <a:solidFill>
-                  <a:srgbClr val="000000"/>
-                </a:solidFill>
-                <a:miter lim="800000"/>
-                <a:headEnd/>
-                <a:tailEnd/>
-              </a14:hiddenLine>
-            </a:ext>
-          </a:extLst>
-        </p:spPr>
-        <p:txBody>
-          <a:bodyPr/>
-          <a:lstStyle>
-            <a:lvl1pPr eaLnBrk="0" hangingPunct="0">
-              <a:defRPr sz="2100">
-                <a:solidFill>
-                  <a:srgbClr val="FFFFFF"/>
-                </a:solidFill>
-                <a:latin typeface="Times New Roman" pitchFamily="1" charset="0"/>
-              </a:defRPr>
-            </a:lvl1pPr>
-            <a:lvl2pPr marL="783589" indent="-301381" eaLnBrk="0" hangingPunct="0">
-              <a:defRPr sz="2100">
-                <a:solidFill>
-                  <a:srgbClr val="FFFFFF"/>
-                </a:solidFill>
-                <a:latin typeface="Times New Roman" pitchFamily="1" charset="0"/>
-              </a:defRPr>
-            </a:lvl2pPr>
-            <a:lvl3pPr marL="1205522" indent="-241104" eaLnBrk="0" hangingPunct="0">
-              <a:defRPr sz="2100">
-                <a:solidFill>
-                  <a:srgbClr val="FFFFFF"/>
-                </a:solidFill>
-                <a:latin typeface="Times New Roman" pitchFamily="1" charset="0"/>
-              </a:defRPr>
-            </a:lvl3pPr>
-            <a:lvl4pPr marL="1687731" indent="-241104" eaLnBrk="0" hangingPunct="0">
-              <a:defRPr sz="2100">
-                <a:solidFill>
-                  <a:srgbClr val="FFFFFF"/>
-                </a:solidFill>
-                <a:latin typeface="Times New Roman" pitchFamily="1" charset="0"/>
-              </a:defRPr>
-            </a:lvl4pPr>
-            <a:lvl5pPr marL="2169940" indent="-241104" eaLnBrk="0" hangingPunct="0">
-              <a:defRPr sz="2100">
-                <a:solidFill>
-                  <a:srgbClr val="FFFFFF"/>
-                </a:solidFill>
-                <a:latin typeface="Times New Roman" pitchFamily="1" charset="0"/>
-              </a:defRPr>
-            </a:lvl5pPr>
-            <a:lvl6pPr marL="2652149" indent="-241104" eaLnBrk="0" fontAlgn="base" hangingPunct="0">
-              <a:spcBef>
-                <a:spcPct val="0"/>
-              </a:spcBef>
-              <a:spcAft>
-                <a:spcPct val="0"/>
-              </a:spcAft>
-              <a:defRPr sz="2100">
-                <a:solidFill>
-                  <a:srgbClr val="FFFFFF"/>
-                </a:solidFill>
-                <a:latin typeface="Times New Roman" pitchFamily="1" charset="0"/>
-              </a:defRPr>
-            </a:lvl6pPr>
-            <a:lvl7pPr marL="3134357" indent="-241104" eaLnBrk="0" fontAlgn="base" hangingPunct="0">
-              <a:spcBef>
-                <a:spcPct val="0"/>
-              </a:spcBef>
-              <a:spcAft>
-                <a:spcPct val="0"/>
-              </a:spcAft>
-              <a:defRPr sz="2100">
-                <a:solidFill>
-                  <a:srgbClr val="FFFFFF"/>
-                </a:solidFill>
-                <a:latin typeface="Times New Roman" pitchFamily="1" charset="0"/>
-              </a:defRPr>
-            </a:lvl7pPr>
-            <a:lvl8pPr marL="3616566" indent="-241104" eaLnBrk="0" fontAlgn="base" hangingPunct="0">
-              <a:spcBef>
-                <a:spcPct val="0"/>
-              </a:spcBef>
-              <a:spcAft>
-                <a:spcPct val="0"/>
-              </a:spcAft>
-              <a:defRPr sz="2100">
-                <a:solidFill>
-                  <a:srgbClr val="FFFFFF"/>
-                </a:solidFill>
-                <a:latin typeface="Times New Roman" pitchFamily="1" charset="0"/>
-              </a:defRPr>
-            </a:lvl8pPr>
-            <a:lvl9pPr marL="4098775" indent="-241104" eaLnBrk="0" fontAlgn="base" hangingPunct="0">
-              <a:spcBef>
-                <a:spcPct val="0"/>
-              </a:spcBef>
-              <a:spcAft>
-                <a:spcPct val="0"/>
-              </a:spcAft>
-              <a:defRPr sz="2100">
-                <a:solidFill>
-                  <a:srgbClr val="FFFFFF"/>
-                </a:solidFill>
-                <a:latin typeface="Times New Roman" pitchFamily="1" charset="0"/>
-              </a:defRPr>
-            </a:lvl9pPr>
-          </a:lstStyle>
-          <a:p>
-            <a:pPr eaLnBrk="1" hangingPunct="1"/>
-            <a:fld id="{3734E94D-2E2C-4419-9C57-88C8827E04ED}" type="slidenum">
-              <a:rPr lang="en-US" sz="1300">
-                <a:solidFill>
-                  <a:schemeClr val="tx1"/>
-                </a:solidFill>
-              </a:rPr>
-              <a:pPr eaLnBrk="1" hangingPunct="1"/>
-              <a:t>12</a:t>
-            </a:fld>
-            <a:endParaRPr lang="en-US" sz="1300">
-              <a:solidFill>
-                <a:schemeClr val="tx1"/>
-              </a:solidFill>
-            </a:endParaRPr>
-          </a:p>
-        </p:txBody>
-      </p:sp>
-      <p:sp>
-        <p:nvSpPr>
-          <p:cNvPr id="59395" name="Rectangle 2"/>
-          <p:cNvSpPr>
-            <a:spLocks noGrp="1" noRot="1" noChangeAspect="1" noChangeArrowheads="1" noTextEdit="1"/>
-          </p:cNvSpPr>
-          <p:nvPr>
-            <p:ph type="sldImg"/>
-          </p:nvPr>
-        </p:nvSpPr>
-        <p:spPr>
-          <a:xfrm>
-            <a:off x="111125" y="749300"/>
-            <a:ext cx="6661150" cy="3748088"/>
-          </a:xfrm>
-          <a:ln/>
-        </p:spPr>
-      </p:sp>
-      <p:sp>
-        <p:nvSpPr>
-          <p:cNvPr id="59396" name="Rectangle 3"/>
-          <p:cNvSpPr>
-            <a:spLocks noGrp="1" noChangeArrowheads="1"/>
-          </p:cNvSpPr>
-          <p:nvPr>
-            <p:ph type="body" idx="1"/>
-          </p:nvPr>
-        </p:nvSpPr>
-        <p:spPr>
-          <a:noFill/>
-          <a:ln/>
-          <a:extLst>
-            <a:ext uri="{909E8E84-426E-40DD-AFC4-6F175D3DCCD1}">
-              <a14:hiddenFill xmlns:a14="http://schemas.microsoft.com/office/drawing/2010/main">
-                <a:solidFill>
-                  <a:srgbClr val="FFFFFF"/>
-                </a:solidFill>
-              </a14:hiddenFill>
-            </a:ext>
-            <a:ext uri="{91240B29-F687-4F45-9708-019B960494DF}">
-              <a14:hiddenLine xmlns:a14="http://schemas.microsoft.com/office/drawing/2010/main" w="9525">
-                <a:solidFill>
-                  <a:srgbClr val="000000"/>
-                </a:solidFill>
-                <a:miter lim="800000"/>
-                <a:headEnd/>
-                <a:tailEnd/>
-              </a14:hiddenLine>
-            </a:ext>
-          </a:extLst>
-        </p:spPr>
-        <p:txBody>
-          <a:bodyPr/>
-          <a:lstStyle/>
-          <a:p>
-            <a:pPr eaLnBrk="1" hangingPunct="1"/>
-            <a:endParaRPr lang="en-CA">
-              <a:latin typeface="Times New Roman" pitchFamily="1" charset="0"/>
-            </a:endParaRPr>
-          </a:p>
-        </p:txBody>
-      </p:sp>
-    </p:spTree>
-    <p:extLst>
-      <p:ext uri="{BB962C8B-B14F-4D97-AF65-F5344CB8AC3E}">
-        <p14:creationId xmlns:p14="http://schemas.microsoft.com/office/powerpoint/2010/main" val="1127804789"/>
-      </p:ext>
-    </p:extLst>
-  </p:cSld>
-  <p:clrMapOvr>
-    <a:masterClrMapping/>
-  </p:clrMapOvr>
-</p:notes>
-</file>
-
-<file path=ppt/notesSlides/notesSlide6.xml><?xml version="1.0" encoding="utf-8"?>
-<p:notes xmlns:a="http://schemas.openxmlformats.org/drawingml/2006/main" xmlns:r="http://schemas.openxmlformats.org/officeDocument/2006/relationships" xmlns:p="http://schemas.openxmlformats.org/presentationml/2006/main">
-  <p:cSld>
-    <p:spTree>
-      <p:nvGrpSpPr>
-        <p:cNvPr id="1" name=""/>
-        <p:cNvGrpSpPr/>
-        <p:nvPr/>
-      </p:nvGrpSpPr>
-      <p:grpSpPr>
-        <a:xfrm>
-          <a:off x="0" y="0"/>
-          <a:ext cx="0" cy="0"/>
-          <a:chOff x="0" y="0"/>
-          <a:chExt cx="0" cy="0"/>
-        </a:xfrm>
-      </p:grpSpPr>
-      <p:sp>
-        <p:nvSpPr>
-          <p:cNvPr id="60418" name="Rectangle 7"/>
-          <p:cNvSpPr>
-            <a:spLocks noGrp="1" noChangeArrowheads="1"/>
-          </p:cNvSpPr>
-          <p:nvPr>
-            <p:ph type="sldNum" sz="quarter" idx="5"/>
-          </p:nvPr>
-        </p:nvSpPr>
-        <p:spPr>
-          <a:noFill/>
-          <a:ln/>
-          <a:extLst>
-            <a:ext uri="{909E8E84-426E-40DD-AFC4-6F175D3DCCD1}">
-              <a14:hiddenFill xmlns:a14="http://schemas.microsoft.com/office/drawing/2010/main">
-                <a:solidFill>
-                  <a:srgbClr val="FFFFFF"/>
-                </a:solidFill>
-              </a14:hiddenFill>
-            </a:ext>
-            <a:ext uri="{91240B29-F687-4F45-9708-019B960494DF}">
-              <a14:hiddenLine xmlns:a14="http://schemas.microsoft.com/office/drawing/2010/main" w="9525">
-                <a:solidFill>
-                  <a:srgbClr val="000000"/>
-                </a:solidFill>
-                <a:miter lim="800000"/>
-                <a:headEnd/>
-                <a:tailEnd/>
-              </a14:hiddenLine>
-            </a:ext>
-          </a:extLst>
-        </p:spPr>
-        <p:txBody>
-          <a:bodyPr/>
-          <a:lstStyle>
-            <a:lvl1pPr eaLnBrk="0" hangingPunct="0">
-              <a:defRPr sz="2100">
-                <a:solidFill>
-                  <a:srgbClr val="FFFFFF"/>
-                </a:solidFill>
-                <a:latin typeface="Times New Roman" pitchFamily="1" charset="0"/>
-              </a:defRPr>
-            </a:lvl1pPr>
-            <a:lvl2pPr marL="783589" indent="-301381" eaLnBrk="0" hangingPunct="0">
-              <a:defRPr sz="2100">
-                <a:solidFill>
-                  <a:srgbClr val="FFFFFF"/>
-                </a:solidFill>
-                <a:latin typeface="Times New Roman" pitchFamily="1" charset="0"/>
-              </a:defRPr>
-            </a:lvl2pPr>
-            <a:lvl3pPr marL="1205522" indent="-241104" eaLnBrk="0" hangingPunct="0">
-              <a:defRPr sz="2100">
-                <a:solidFill>
-                  <a:srgbClr val="FFFFFF"/>
-                </a:solidFill>
-                <a:latin typeface="Times New Roman" pitchFamily="1" charset="0"/>
-              </a:defRPr>
-            </a:lvl3pPr>
-            <a:lvl4pPr marL="1687731" indent="-241104" eaLnBrk="0" hangingPunct="0">
-              <a:defRPr sz="2100">
-                <a:solidFill>
-                  <a:srgbClr val="FFFFFF"/>
-                </a:solidFill>
-                <a:latin typeface="Times New Roman" pitchFamily="1" charset="0"/>
-              </a:defRPr>
-            </a:lvl4pPr>
-            <a:lvl5pPr marL="2169940" indent="-241104" eaLnBrk="0" hangingPunct="0">
-              <a:defRPr sz="2100">
-                <a:solidFill>
-                  <a:srgbClr val="FFFFFF"/>
-                </a:solidFill>
-                <a:latin typeface="Times New Roman" pitchFamily="1" charset="0"/>
-              </a:defRPr>
-            </a:lvl5pPr>
-            <a:lvl6pPr marL="2652149" indent="-241104" eaLnBrk="0" fontAlgn="base" hangingPunct="0">
-              <a:spcBef>
-                <a:spcPct val="0"/>
-              </a:spcBef>
-              <a:spcAft>
-                <a:spcPct val="0"/>
-              </a:spcAft>
-              <a:defRPr sz="2100">
-                <a:solidFill>
-                  <a:srgbClr val="FFFFFF"/>
-                </a:solidFill>
-                <a:latin typeface="Times New Roman" pitchFamily="1" charset="0"/>
-              </a:defRPr>
-            </a:lvl6pPr>
-            <a:lvl7pPr marL="3134357" indent="-241104" eaLnBrk="0" fontAlgn="base" hangingPunct="0">
-              <a:spcBef>
-                <a:spcPct val="0"/>
-              </a:spcBef>
-              <a:spcAft>
-                <a:spcPct val="0"/>
-              </a:spcAft>
-              <a:defRPr sz="2100">
-                <a:solidFill>
-                  <a:srgbClr val="FFFFFF"/>
-                </a:solidFill>
-                <a:latin typeface="Times New Roman" pitchFamily="1" charset="0"/>
-              </a:defRPr>
-            </a:lvl7pPr>
-            <a:lvl8pPr marL="3616566" indent="-241104" eaLnBrk="0" fontAlgn="base" hangingPunct="0">
-              <a:spcBef>
-                <a:spcPct val="0"/>
-              </a:spcBef>
-              <a:spcAft>
-                <a:spcPct val="0"/>
-              </a:spcAft>
-              <a:defRPr sz="2100">
-                <a:solidFill>
-                  <a:srgbClr val="FFFFFF"/>
-                </a:solidFill>
-                <a:latin typeface="Times New Roman" pitchFamily="1" charset="0"/>
-              </a:defRPr>
-            </a:lvl8pPr>
-            <a:lvl9pPr marL="4098775" indent="-241104" eaLnBrk="0" fontAlgn="base" hangingPunct="0">
-              <a:spcBef>
-                <a:spcPct val="0"/>
-              </a:spcBef>
-              <a:spcAft>
-                <a:spcPct val="0"/>
-              </a:spcAft>
-              <a:defRPr sz="2100">
-                <a:solidFill>
-                  <a:srgbClr val="FFFFFF"/>
-                </a:solidFill>
-                <a:latin typeface="Times New Roman" pitchFamily="1" charset="0"/>
-              </a:defRPr>
-            </a:lvl9pPr>
-          </a:lstStyle>
-          <a:p>
-            <a:pPr eaLnBrk="1" hangingPunct="1"/>
-            <a:fld id="{1D0ABCCA-739D-40CF-AB9E-925D0A4A8442}" type="slidenum">
-              <a:rPr lang="en-US" sz="1300">
-                <a:solidFill>
-                  <a:schemeClr val="tx1"/>
-                </a:solidFill>
-              </a:rPr>
-              <a:pPr eaLnBrk="1" hangingPunct="1"/>
-              <a:t>13</a:t>
-            </a:fld>
-            <a:endParaRPr lang="en-US" sz="1300">
-              <a:solidFill>
-                <a:schemeClr val="tx1"/>
-              </a:solidFill>
-            </a:endParaRPr>
-          </a:p>
-        </p:txBody>
-      </p:sp>
-      <p:sp>
-        <p:nvSpPr>
-          <p:cNvPr id="60419" name="Rectangle 2"/>
-          <p:cNvSpPr>
-            <a:spLocks noGrp="1" noRot="1" noChangeAspect="1" noChangeArrowheads="1" noTextEdit="1"/>
-          </p:cNvSpPr>
-          <p:nvPr>
-            <p:ph type="sldImg"/>
-          </p:nvPr>
-        </p:nvSpPr>
-        <p:spPr>
-          <a:xfrm>
-            <a:off x="111125" y="749300"/>
-            <a:ext cx="6661150" cy="3748088"/>
-          </a:xfrm>
-          <a:ln/>
-        </p:spPr>
-      </p:sp>
-      <p:sp>
-        <p:nvSpPr>
-          <p:cNvPr id="60420" name="Rectangle 3"/>
-          <p:cNvSpPr>
-            <a:spLocks noGrp="1" noChangeArrowheads="1"/>
-          </p:cNvSpPr>
-          <p:nvPr>
-            <p:ph type="body" idx="1"/>
-          </p:nvPr>
-        </p:nvSpPr>
-        <p:spPr>
-          <a:noFill/>
-          <a:ln/>
-          <a:extLst>
-            <a:ext uri="{909E8E84-426E-40DD-AFC4-6F175D3DCCD1}">
-              <a14:hiddenFill xmlns:a14="http://schemas.microsoft.com/office/drawing/2010/main">
-                <a:solidFill>
-                  <a:srgbClr val="FFFFFF"/>
-                </a:solidFill>
-              </a14:hiddenFill>
-            </a:ext>
-            <a:ext uri="{91240B29-F687-4F45-9708-019B960494DF}">
-              <a14:hiddenLine xmlns:a14="http://schemas.microsoft.com/office/drawing/2010/main" w="9525">
-                <a:solidFill>
-                  <a:srgbClr val="000000"/>
-                </a:solidFill>
-                <a:miter lim="800000"/>
-                <a:headEnd/>
-                <a:tailEnd/>
-              </a14:hiddenLine>
-            </a:ext>
-          </a:extLst>
-        </p:spPr>
-        <p:txBody>
-          <a:bodyPr/>
-          <a:lstStyle/>
-          <a:p>
-            <a:pPr eaLnBrk="1" hangingPunct="1"/>
-            <a:endParaRPr lang="en-CA">
-              <a:latin typeface="Times New Roman" pitchFamily="1" charset="0"/>
-            </a:endParaRPr>
-          </a:p>
-        </p:txBody>
-      </p:sp>
-    </p:spTree>
-    <p:extLst>
-      <p:ext uri="{BB962C8B-B14F-4D97-AF65-F5344CB8AC3E}">
-        <p14:creationId xmlns:p14="http://schemas.microsoft.com/office/powerpoint/2010/main" val="2813483021"/>
-      </p:ext>
-    </p:extLst>
-  </p:cSld>
-  <p:clrMapOvr>
-    <a:masterClrMapping/>
-  </p:clrMapOvr>
-</p:notes>
-</file>
-
-<file path=ppt/notesSlides/notesSlide7.xml><?xml version="1.0" encoding="utf-8"?>
-<p:notes xmlns:a="http://schemas.openxmlformats.org/drawingml/2006/main" xmlns:r="http://schemas.openxmlformats.org/officeDocument/2006/relationships" xmlns:p="http://schemas.openxmlformats.org/presentationml/2006/main">
-  <p:cSld>
-    <p:spTree>
-      <p:nvGrpSpPr>
-        <p:cNvPr id="1" name=""/>
-        <p:cNvGrpSpPr/>
-        <p:nvPr/>
-      </p:nvGrpSpPr>
-      <p:grpSpPr>
-        <a:xfrm>
-          <a:off x="0" y="0"/>
-          <a:ext cx="0" cy="0"/>
-          <a:chOff x="0" y="0"/>
-          <a:chExt cx="0" cy="0"/>
-        </a:xfrm>
-      </p:grpSpPr>
-      <p:sp>
-        <p:nvSpPr>
-          <p:cNvPr id="61442" name="Rectangle 7"/>
-          <p:cNvSpPr>
-            <a:spLocks noGrp="1" noChangeArrowheads="1"/>
-          </p:cNvSpPr>
-          <p:nvPr>
-            <p:ph type="sldNum" sz="quarter" idx="5"/>
-          </p:nvPr>
-        </p:nvSpPr>
-        <p:spPr>
-          <a:noFill/>
-          <a:ln/>
-          <a:extLst>
-            <a:ext uri="{909E8E84-426E-40DD-AFC4-6F175D3DCCD1}">
-              <a14:hiddenFill xmlns:a14="http://schemas.microsoft.com/office/drawing/2010/main">
-                <a:solidFill>
-                  <a:srgbClr val="FFFFFF"/>
-                </a:solidFill>
-              </a14:hiddenFill>
-            </a:ext>
-            <a:ext uri="{91240B29-F687-4F45-9708-019B960494DF}">
-              <a14:hiddenLine xmlns:a14="http://schemas.microsoft.com/office/drawing/2010/main" w="9525">
-                <a:solidFill>
-                  <a:srgbClr val="000000"/>
-                </a:solidFill>
-                <a:miter lim="800000"/>
-                <a:headEnd/>
-                <a:tailEnd/>
-              </a14:hiddenLine>
-            </a:ext>
-          </a:extLst>
-        </p:spPr>
-        <p:txBody>
-          <a:bodyPr/>
-          <a:lstStyle>
-            <a:lvl1pPr eaLnBrk="0" hangingPunct="0">
-              <a:defRPr sz="2100">
-                <a:solidFill>
-                  <a:srgbClr val="FFFFFF"/>
-                </a:solidFill>
-                <a:latin typeface="Times New Roman" pitchFamily="1" charset="0"/>
-              </a:defRPr>
-            </a:lvl1pPr>
-            <a:lvl2pPr marL="783589" indent="-301381" eaLnBrk="0" hangingPunct="0">
-              <a:defRPr sz="2100">
-                <a:solidFill>
-                  <a:srgbClr val="FFFFFF"/>
-                </a:solidFill>
-                <a:latin typeface="Times New Roman" pitchFamily="1" charset="0"/>
-              </a:defRPr>
-            </a:lvl2pPr>
-            <a:lvl3pPr marL="1205522" indent="-241104" eaLnBrk="0" hangingPunct="0">
-              <a:defRPr sz="2100">
-                <a:solidFill>
-                  <a:srgbClr val="FFFFFF"/>
-                </a:solidFill>
-                <a:latin typeface="Times New Roman" pitchFamily="1" charset="0"/>
-              </a:defRPr>
-            </a:lvl3pPr>
-            <a:lvl4pPr marL="1687731" indent="-241104" eaLnBrk="0" hangingPunct="0">
-              <a:defRPr sz="2100">
-                <a:solidFill>
-                  <a:srgbClr val="FFFFFF"/>
-                </a:solidFill>
-                <a:latin typeface="Times New Roman" pitchFamily="1" charset="0"/>
-              </a:defRPr>
-            </a:lvl4pPr>
-            <a:lvl5pPr marL="2169940" indent="-241104" eaLnBrk="0" hangingPunct="0">
-              <a:defRPr sz="2100">
-                <a:solidFill>
-                  <a:srgbClr val="FFFFFF"/>
-                </a:solidFill>
-                <a:latin typeface="Times New Roman" pitchFamily="1" charset="0"/>
-              </a:defRPr>
-            </a:lvl5pPr>
-            <a:lvl6pPr marL="2652149" indent="-241104" eaLnBrk="0" fontAlgn="base" hangingPunct="0">
-              <a:spcBef>
-                <a:spcPct val="0"/>
-              </a:spcBef>
-              <a:spcAft>
-                <a:spcPct val="0"/>
-              </a:spcAft>
-              <a:defRPr sz="2100">
-                <a:solidFill>
-                  <a:srgbClr val="FFFFFF"/>
-                </a:solidFill>
-                <a:latin typeface="Times New Roman" pitchFamily="1" charset="0"/>
-              </a:defRPr>
-            </a:lvl6pPr>
-            <a:lvl7pPr marL="3134357" indent="-241104" eaLnBrk="0" fontAlgn="base" hangingPunct="0">
-              <a:spcBef>
-                <a:spcPct val="0"/>
-              </a:spcBef>
-              <a:spcAft>
-                <a:spcPct val="0"/>
-              </a:spcAft>
-              <a:defRPr sz="2100">
-                <a:solidFill>
-                  <a:srgbClr val="FFFFFF"/>
-                </a:solidFill>
-                <a:latin typeface="Times New Roman" pitchFamily="1" charset="0"/>
-              </a:defRPr>
-            </a:lvl7pPr>
-            <a:lvl8pPr marL="3616566" indent="-241104" eaLnBrk="0" fontAlgn="base" hangingPunct="0">
-              <a:spcBef>
-                <a:spcPct val="0"/>
-              </a:spcBef>
-              <a:spcAft>
-                <a:spcPct val="0"/>
-              </a:spcAft>
-              <a:defRPr sz="2100">
-                <a:solidFill>
-                  <a:srgbClr val="FFFFFF"/>
-                </a:solidFill>
-                <a:latin typeface="Times New Roman" pitchFamily="1" charset="0"/>
-              </a:defRPr>
-            </a:lvl8pPr>
-            <a:lvl9pPr marL="4098775" indent="-241104" eaLnBrk="0" fontAlgn="base" hangingPunct="0">
-              <a:spcBef>
-                <a:spcPct val="0"/>
-              </a:spcBef>
-              <a:spcAft>
-                <a:spcPct val="0"/>
-              </a:spcAft>
-              <a:defRPr sz="2100">
-                <a:solidFill>
-                  <a:srgbClr val="FFFFFF"/>
-                </a:solidFill>
-                <a:latin typeface="Times New Roman" pitchFamily="1" charset="0"/>
-              </a:defRPr>
-            </a:lvl9pPr>
-          </a:lstStyle>
-          <a:p>
-            <a:pPr eaLnBrk="1" hangingPunct="1"/>
-            <a:fld id="{45CAC1B7-5048-48F7-83DE-1404E8D4FF6F}" type="slidenum">
-              <a:rPr lang="en-US" sz="1300">
-                <a:solidFill>
-                  <a:schemeClr val="tx1"/>
-                </a:solidFill>
-              </a:rPr>
-              <a:pPr eaLnBrk="1" hangingPunct="1"/>
-              <a:t>14</a:t>
-            </a:fld>
-            <a:endParaRPr lang="en-US" sz="1300">
-              <a:solidFill>
-                <a:schemeClr val="tx1"/>
-              </a:solidFill>
-            </a:endParaRPr>
-          </a:p>
-        </p:txBody>
-      </p:sp>
-      <p:sp>
-        <p:nvSpPr>
-          <p:cNvPr id="61443" name="Rectangle 2"/>
-          <p:cNvSpPr>
-            <a:spLocks noGrp="1" noRot="1" noChangeAspect="1" noChangeArrowheads="1" noTextEdit="1"/>
-          </p:cNvSpPr>
-          <p:nvPr>
-            <p:ph type="sldImg"/>
-          </p:nvPr>
-        </p:nvSpPr>
-        <p:spPr>
-          <a:xfrm>
-            <a:off x="111125" y="749300"/>
-            <a:ext cx="6661150" cy="3748088"/>
-          </a:xfrm>
-          <a:ln/>
-        </p:spPr>
-      </p:sp>
-      <p:sp>
-        <p:nvSpPr>
-          <p:cNvPr id="61444" name="Rectangle 3"/>
-          <p:cNvSpPr>
-            <a:spLocks noGrp="1" noChangeArrowheads="1"/>
-          </p:cNvSpPr>
-          <p:nvPr>
-            <p:ph type="body" idx="1"/>
-          </p:nvPr>
-        </p:nvSpPr>
-        <p:spPr>
-          <a:noFill/>
-          <a:ln/>
-          <a:extLst>
-            <a:ext uri="{909E8E84-426E-40DD-AFC4-6F175D3DCCD1}">
-              <a14:hiddenFill xmlns:a14="http://schemas.microsoft.com/office/drawing/2010/main">
-                <a:solidFill>
-                  <a:srgbClr val="FFFFFF"/>
-                </a:solidFill>
-              </a14:hiddenFill>
-            </a:ext>
-            <a:ext uri="{91240B29-F687-4F45-9708-019B960494DF}">
-              <a14:hiddenLine xmlns:a14="http://schemas.microsoft.com/office/drawing/2010/main" w="9525">
-                <a:solidFill>
-                  <a:srgbClr val="000000"/>
-                </a:solidFill>
-                <a:miter lim="800000"/>
-                <a:headEnd/>
-                <a:tailEnd/>
-              </a14:hiddenLine>
-            </a:ext>
-          </a:extLst>
-        </p:spPr>
-        <p:txBody>
-          <a:bodyPr/>
-          <a:lstStyle/>
-          <a:p>
-            <a:pPr eaLnBrk="1" hangingPunct="1"/>
-            <a:endParaRPr lang="en-CA">
-              <a:latin typeface="Times New Roman" pitchFamily="1" charset="0"/>
-            </a:endParaRPr>
-          </a:p>
-        </p:txBody>
-      </p:sp>
-    </p:spTree>
-    <p:extLst>
-      <p:ext uri="{BB962C8B-B14F-4D97-AF65-F5344CB8AC3E}">
-        <p14:creationId xmlns:p14="http://schemas.microsoft.com/office/powerpoint/2010/main" val="608663159"/>
-      </p:ext>
-    </p:extLst>
-  </p:cSld>
-  <p:clrMapOvr>
-    <a:masterClrMapping/>
-  </p:clrMapOvr>
-</p:notes>
-</file>
-
-<file path=ppt/notesSlides/notesSlide8.xml><?xml version="1.0" encoding="utf-8"?>
-<p:notes xmlns:a="http://schemas.openxmlformats.org/drawingml/2006/main" xmlns:r="http://schemas.openxmlformats.org/officeDocument/2006/relationships" xmlns:p="http://schemas.openxmlformats.org/presentationml/2006/main">
-  <p:cSld>
-    <p:spTree>
-      <p:nvGrpSpPr>
-        <p:cNvPr id="1" name=""/>
-        <p:cNvGrpSpPr/>
-        <p:nvPr/>
-      </p:nvGrpSpPr>
-      <p:grpSpPr>
-        <a:xfrm>
-          <a:off x="0" y="0"/>
-          <a:ext cx="0" cy="0"/>
-          <a:chOff x="0" y="0"/>
-          <a:chExt cx="0" cy="0"/>
-        </a:xfrm>
-      </p:grpSpPr>
-      <p:sp>
-        <p:nvSpPr>
-          <p:cNvPr id="62466" name="Rectangle 7"/>
-          <p:cNvSpPr>
-            <a:spLocks noGrp="1" noChangeArrowheads="1"/>
-          </p:cNvSpPr>
-          <p:nvPr>
-            <p:ph type="sldNum" sz="quarter" idx="5"/>
-          </p:nvPr>
-        </p:nvSpPr>
-        <p:spPr>
-          <a:noFill/>
-          <a:ln/>
-          <a:extLst>
-            <a:ext uri="{909E8E84-426E-40DD-AFC4-6F175D3DCCD1}">
-              <a14:hiddenFill xmlns:a14="http://schemas.microsoft.com/office/drawing/2010/main">
-                <a:solidFill>
-                  <a:srgbClr val="FFFFFF"/>
-                </a:solidFill>
-              </a14:hiddenFill>
-            </a:ext>
-            <a:ext uri="{91240B29-F687-4F45-9708-019B960494DF}">
-              <a14:hiddenLine xmlns:a14="http://schemas.microsoft.com/office/drawing/2010/main" w="9525">
-                <a:solidFill>
-                  <a:srgbClr val="000000"/>
-                </a:solidFill>
-                <a:miter lim="800000"/>
-                <a:headEnd/>
-                <a:tailEnd/>
-              </a14:hiddenLine>
-            </a:ext>
-          </a:extLst>
-        </p:spPr>
-        <p:txBody>
-          <a:bodyPr/>
-          <a:lstStyle>
-            <a:lvl1pPr eaLnBrk="0" hangingPunct="0">
-              <a:defRPr sz="2100">
-                <a:solidFill>
-                  <a:srgbClr val="FFFFFF"/>
-                </a:solidFill>
-                <a:latin typeface="Times New Roman" pitchFamily="1" charset="0"/>
-              </a:defRPr>
-            </a:lvl1pPr>
-            <a:lvl2pPr marL="783589" indent="-301381" eaLnBrk="0" hangingPunct="0">
-              <a:defRPr sz="2100">
-                <a:solidFill>
-                  <a:srgbClr val="FFFFFF"/>
-                </a:solidFill>
-                <a:latin typeface="Times New Roman" pitchFamily="1" charset="0"/>
-              </a:defRPr>
-            </a:lvl2pPr>
-            <a:lvl3pPr marL="1205522" indent="-241104" eaLnBrk="0" hangingPunct="0">
-              <a:defRPr sz="2100">
-                <a:solidFill>
-                  <a:srgbClr val="FFFFFF"/>
-                </a:solidFill>
-                <a:latin typeface="Times New Roman" pitchFamily="1" charset="0"/>
-              </a:defRPr>
-            </a:lvl3pPr>
-            <a:lvl4pPr marL="1687731" indent="-241104" eaLnBrk="0" hangingPunct="0">
-              <a:defRPr sz="2100">
-                <a:solidFill>
-                  <a:srgbClr val="FFFFFF"/>
-                </a:solidFill>
-                <a:latin typeface="Times New Roman" pitchFamily="1" charset="0"/>
-              </a:defRPr>
-            </a:lvl4pPr>
-            <a:lvl5pPr marL="2169940" indent="-241104" eaLnBrk="0" hangingPunct="0">
-              <a:defRPr sz="2100">
-                <a:solidFill>
-                  <a:srgbClr val="FFFFFF"/>
-                </a:solidFill>
-                <a:latin typeface="Times New Roman" pitchFamily="1" charset="0"/>
-              </a:defRPr>
-            </a:lvl5pPr>
-            <a:lvl6pPr marL="2652149" indent="-241104" eaLnBrk="0" fontAlgn="base" hangingPunct="0">
-              <a:spcBef>
-                <a:spcPct val="0"/>
-              </a:spcBef>
-              <a:spcAft>
-                <a:spcPct val="0"/>
-              </a:spcAft>
-              <a:defRPr sz="2100">
-                <a:solidFill>
-                  <a:srgbClr val="FFFFFF"/>
-                </a:solidFill>
-                <a:latin typeface="Times New Roman" pitchFamily="1" charset="0"/>
-              </a:defRPr>
-            </a:lvl6pPr>
-            <a:lvl7pPr marL="3134357" indent="-241104" eaLnBrk="0" fontAlgn="base" hangingPunct="0">
-              <a:spcBef>
-                <a:spcPct val="0"/>
-              </a:spcBef>
-              <a:spcAft>
-                <a:spcPct val="0"/>
-              </a:spcAft>
-              <a:defRPr sz="2100">
-                <a:solidFill>
-                  <a:srgbClr val="FFFFFF"/>
-                </a:solidFill>
-                <a:latin typeface="Times New Roman" pitchFamily="1" charset="0"/>
-              </a:defRPr>
-            </a:lvl7pPr>
-            <a:lvl8pPr marL="3616566" indent="-241104" eaLnBrk="0" fontAlgn="base" hangingPunct="0">
-              <a:spcBef>
-                <a:spcPct val="0"/>
-              </a:spcBef>
-              <a:spcAft>
-                <a:spcPct val="0"/>
-              </a:spcAft>
-              <a:defRPr sz="2100">
-                <a:solidFill>
-                  <a:srgbClr val="FFFFFF"/>
-                </a:solidFill>
-                <a:latin typeface="Times New Roman" pitchFamily="1" charset="0"/>
-              </a:defRPr>
-            </a:lvl8pPr>
-            <a:lvl9pPr marL="4098775" indent="-241104" eaLnBrk="0" fontAlgn="base" hangingPunct="0">
-              <a:spcBef>
-                <a:spcPct val="0"/>
-              </a:spcBef>
-              <a:spcAft>
-                <a:spcPct val="0"/>
-              </a:spcAft>
-              <a:defRPr sz="2100">
-                <a:solidFill>
-                  <a:srgbClr val="FFFFFF"/>
-                </a:solidFill>
-                <a:latin typeface="Times New Roman" pitchFamily="1" charset="0"/>
-              </a:defRPr>
-            </a:lvl9pPr>
-          </a:lstStyle>
-          <a:p>
-            <a:pPr eaLnBrk="1" hangingPunct="1"/>
-            <a:fld id="{F1A7968A-9B3F-4579-A814-41A100E1E76C}" type="slidenum">
-              <a:rPr lang="en-US" sz="1300">
-                <a:solidFill>
-                  <a:schemeClr val="tx1"/>
-                </a:solidFill>
-              </a:rPr>
-              <a:pPr eaLnBrk="1" hangingPunct="1"/>
-              <a:t>15</a:t>
-            </a:fld>
-            <a:endParaRPr lang="en-US" sz="1300">
-              <a:solidFill>
-                <a:schemeClr val="tx1"/>
-              </a:solidFill>
-            </a:endParaRPr>
-          </a:p>
-        </p:txBody>
-      </p:sp>
-      <p:sp>
-        <p:nvSpPr>
-          <p:cNvPr id="62467" name="Rectangle 2"/>
-          <p:cNvSpPr>
-            <a:spLocks noGrp="1" noRot="1" noChangeAspect="1" noChangeArrowheads="1" noTextEdit="1"/>
-          </p:cNvSpPr>
-          <p:nvPr>
-            <p:ph type="sldImg"/>
-          </p:nvPr>
-        </p:nvSpPr>
-        <p:spPr>
-          <a:xfrm>
-            <a:off x="111125" y="749300"/>
-            <a:ext cx="6661150" cy="3748088"/>
-          </a:xfrm>
-          <a:ln/>
-        </p:spPr>
-      </p:sp>
-      <p:sp>
-        <p:nvSpPr>
-          <p:cNvPr id="62468" name="Rectangle 3"/>
-          <p:cNvSpPr>
-            <a:spLocks noGrp="1" noChangeArrowheads="1"/>
-          </p:cNvSpPr>
-          <p:nvPr>
-            <p:ph type="body" idx="1"/>
-          </p:nvPr>
-        </p:nvSpPr>
-        <p:spPr>
-          <a:noFill/>
-          <a:ln/>
-          <a:extLst>
-            <a:ext uri="{909E8E84-426E-40DD-AFC4-6F175D3DCCD1}">
-              <a14:hiddenFill xmlns:a14="http://schemas.microsoft.com/office/drawing/2010/main">
-                <a:solidFill>
-                  <a:srgbClr val="FFFFFF"/>
-                </a:solidFill>
-              </a14:hiddenFill>
-            </a:ext>
-            <a:ext uri="{91240B29-F687-4F45-9708-019B960494DF}">
-              <a14:hiddenLine xmlns:a14="http://schemas.microsoft.com/office/drawing/2010/main" w="9525">
-                <a:solidFill>
-                  <a:srgbClr val="000000"/>
-                </a:solidFill>
-                <a:miter lim="800000"/>
-                <a:headEnd/>
-                <a:tailEnd/>
-              </a14:hiddenLine>
-            </a:ext>
-          </a:extLst>
-        </p:spPr>
-        <p:txBody>
-          <a:bodyPr/>
-          <a:lstStyle/>
-          <a:p>
-            <a:pPr eaLnBrk="1" hangingPunct="1"/>
-            <a:endParaRPr lang="en-CA">
-              <a:latin typeface="Times New Roman" pitchFamily="1" charset="0"/>
-            </a:endParaRPr>
-          </a:p>
-        </p:txBody>
-      </p:sp>
-    </p:spTree>
-    <p:extLst>
-      <p:ext uri="{BB962C8B-B14F-4D97-AF65-F5344CB8AC3E}">
-        <p14:creationId xmlns:p14="http://schemas.microsoft.com/office/powerpoint/2010/main" val="1969278992"/>
-      </p:ext>
-    </p:extLst>
-  </p:cSld>
-  <p:clrMapOvr>
-    <a:masterClrMapping/>
-  </p:clrMapOvr>
-</p:notes>
-</file>
-
 <file path=ppt/slideLayouts/slideLayout1.xml><?xml version="1.0" encoding="utf-8"?>
 <p:sldLayout xmlns:a="http://schemas.openxmlformats.org/drawingml/2006/main" xmlns:r="http://schemas.openxmlformats.org/officeDocument/2006/relationships" xmlns:p="http://schemas.openxmlformats.org/presentationml/2006/main" type="title" preserve="1">
   <p:cSld name="Titeldia">
@@ -2714,7 +1735,7 @@
           <a:p>
             <a:fld id="{2661A00B-007A-4326-8859-8C83DD4C6E5D}" type="datetimeFigureOut">
               <a:rPr lang="nl-BE" smtClean="0"/>
-              <a:t>17/09/2020</a:t>
+              <a:t>21/09/2020</a:t>
             </a:fld>
             <a:endParaRPr lang="nl-BE"/>
           </a:p>
@@ -3007,7 +2028,7 @@
           <a:p>
             <a:fld id="{2661A00B-007A-4326-8859-8C83DD4C6E5D}" type="datetimeFigureOut">
               <a:rPr lang="nl-BE" smtClean="0"/>
-              <a:t>17/09/2020</a:t>
+              <a:t>21/09/2020</a:t>
             </a:fld>
             <a:endParaRPr lang="nl-BE"/>
           </a:p>
@@ -3217,7 +2238,7 @@
           <a:p>
             <a:fld id="{2661A00B-007A-4326-8859-8C83DD4C6E5D}" type="datetimeFigureOut">
               <a:rPr lang="nl-BE" smtClean="0"/>
-              <a:t>17/09/2020</a:t>
+              <a:t>21/09/2020</a:t>
             </a:fld>
             <a:endParaRPr lang="nl-BE"/>
           </a:p>
@@ -3447,7 +2468,7 @@
           <a:p>
             <a:fld id="{2661A00B-007A-4326-8859-8C83DD4C6E5D}" type="datetimeFigureOut">
               <a:rPr lang="nl-BE" smtClean="0"/>
-              <a:t>17/09/2020</a:t>
+              <a:t>21/09/2020</a:t>
             </a:fld>
             <a:endParaRPr lang="nl-BE"/>
           </a:p>
@@ -3723,7 +2744,7 @@
           <a:p>
             <a:fld id="{2661A00B-007A-4326-8859-8C83DD4C6E5D}" type="datetimeFigureOut">
               <a:rPr lang="nl-BE" smtClean="0"/>
-              <a:t>17/09/2020</a:t>
+              <a:t>21/09/2020</a:t>
             </a:fld>
             <a:endParaRPr lang="nl-BE"/>
           </a:p>
@@ -3991,7 +3012,7 @@
           <a:p>
             <a:fld id="{2661A00B-007A-4326-8859-8C83DD4C6E5D}" type="datetimeFigureOut">
               <a:rPr lang="nl-BE" smtClean="0"/>
-              <a:t>17/09/2020</a:t>
+              <a:t>21/09/2020</a:t>
             </a:fld>
             <a:endParaRPr lang="nl-BE"/>
           </a:p>
@@ -4406,7 +3427,7 @@
           <a:p>
             <a:fld id="{2661A00B-007A-4326-8859-8C83DD4C6E5D}" type="datetimeFigureOut">
               <a:rPr lang="nl-BE" smtClean="0"/>
-              <a:t>17/09/2020</a:t>
+              <a:t>21/09/2020</a:t>
             </a:fld>
             <a:endParaRPr lang="nl-BE"/>
           </a:p>
@@ -4548,7 +3569,7 @@
           <a:p>
             <a:fld id="{2661A00B-007A-4326-8859-8C83DD4C6E5D}" type="datetimeFigureOut">
               <a:rPr lang="nl-BE" smtClean="0"/>
-              <a:t>17/09/2020</a:t>
+              <a:t>21/09/2020</a:t>
             </a:fld>
             <a:endParaRPr lang="nl-BE"/>
           </a:p>
@@ -4661,7 +3682,7 @@
           <a:p>
             <a:fld id="{2661A00B-007A-4326-8859-8C83DD4C6E5D}" type="datetimeFigureOut">
               <a:rPr lang="nl-BE" smtClean="0"/>
-              <a:t>17/09/2020</a:t>
+              <a:t>21/09/2020</a:t>
             </a:fld>
             <a:endParaRPr lang="nl-BE"/>
           </a:p>
@@ -4974,7 +3995,7 @@
           <a:p>
             <a:fld id="{2661A00B-007A-4326-8859-8C83DD4C6E5D}" type="datetimeFigureOut">
               <a:rPr lang="nl-BE" smtClean="0"/>
-              <a:t>17/09/2020</a:t>
+              <a:t>21/09/2020</a:t>
             </a:fld>
             <a:endParaRPr lang="nl-BE"/>
           </a:p>
@@ -5267,7 +4288,7 @@
           <a:p>
             <a:fld id="{2661A00B-007A-4326-8859-8C83DD4C6E5D}" type="datetimeFigureOut">
               <a:rPr lang="nl-BE" smtClean="0"/>
-              <a:t>17/09/2020</a:t>
+              <a:t>21/09/2020</a:t>
             </a:fld>
             <a:endParaRPr lang="nl-BE"/>
           </a:p>
@@ -5510,7 +4531,7 @@
           <a:p>
             <a:fld id="{2661A00B-007A-4326-8859-8C83DD4C6E5D}" type="datetimeFigureOut">
               <a:rPr lang="nl-BE" smtClean="0"/>
-              <a:t>17/09/2020</a:t>
+              <a:t>21/09/2020</a:t>
             </a:fld>
             <a:endParaRPr lang="nl-BE"/>
           </a:p>
@@ -6263,13 +5284,8 @@
           <a:p>
             <a:r>
               <a:rPr lang="nl-BE" dirty="0"/>
-              <a:t>Klassiek onderwerp bij </a:t>
-            </a:r>
-            <a:r>
-              <a:rPr lang="nl-BE" dirty="0" err="1"/>
-              <a:t>solliciaties</a:t>
-            </a:r>
-            <a:endParaRPr lang="nl-BE" dirty="0"/>
+              <a:t>Klassiek onderwerp bij sollicitaties</a:t>
+            </a:r>
           </a:p>
         </p:txBody>
       </p:sp>
@@ -6336,14 +5352,6 @@
 <file path=ppt/slides/slide12.xml><?xml version="1.0" encoding="utf-8"?>
 <p:sld xmlns:a="http://schemas.openxmlformats.org/drawingml/2006/main" xmlns:r="http://schemas.openxmlformats.org/officeDocument/2006/relationships" xmlns:p="http://schemas.openxmlformats.org/presentationml/2006/main">
   <p:cSld>
-    <p:bg>
-      <p:bgPr>
-        <a:solidFill>
-          <a:schemeClr val="bg1"/>
-        </a:solidFill>
-        <a:effectLst/>
-      </p:bgPr>
-    </p:bg>
     <p:spTree>
       <p:nvGrpSpPr>
         <p:cNvPr id="1" name=""/>
@@ -6360,106 +5368,104 @@
       </p:grpSpPr>
       <p:sp>
         <p:nvSpPr>
-          <p:cNvPr id="17412" name="Rectangle 2"/>
-          <p:cNvSpPr>
-            <a:spLocks noGrp="1" noChangeArrowheads="1"/>
+          <p:cNvPr id="2" name="Titel 1">
+            <a:extLst>
+              <a:ext uri="{FF2B5EF4-FFF2-40B4-BE49-F238E27FC236}">
+                <a16:creationId xmlns:a16="http://schemas.microsoft.com/office/drawing/2014/main" id="{6C079910-63AE-425F-BA36-EB6A4EBFB9FF}"/>
+              </a:ext>
+            </a:extLst>
+          </p:cNvPr>
+          <p:cNvSpPr>
+            <a:spLocks noGrp="1"/>
           </p:cNvSpPr>
           <p:nvPr>
             <p:ph type="title"/>
           </p:nvPr>
         </p:nvSpPr>
+        <p:spPr/>
+        <p:txBody>
+          <a:bodyPr/>
+          <a:lstStyle/>
+          <a:p>
+            <a:r>
+              <a:rPr lang="nl-BE" dirty="0"/>
+              <a:t>Manueel zoeken in een array</a:t>
+            </a:r>
+          </a:p>
+        </p:txBody>
+      </p:sp>
+      <p:sp>
+        <p:nvSpPr>
+          <p:cNvPr id="3" name="Tijdelijke aanduiding voor inhoud 2">
+            <a:extLst>
+              <a:ext uri="{FF2B5EF4-FFF2-40B4-BE49-F238E27FC236}">
+                <a16:creationId xmlns:a16="http://schemas.microsoft.com/office/drawing/2014/main" id="{D39C639A-579D-4B17-A3D2-9A7DA231848A}"/>
+              </a:ext>
+            </a:extLst>
+          </p:cNvPr>
+          <p:cNvSpPr>
+            <a:spLocks noGrp="1"/>
+          </p:cNvSpPr>
+          <p:nvPr>
+            <p:ph idx="1"/>
+          </p:nvPr>
+        </p:nvSpPr>
+        <p:spPr/>
+        <p:txBody>
+          <a:bodyPr/>
+          <a:lstStyle/>
+          <a:p>
+            <a:r>
+              <a:rPr lang="nl-BE" dirty="0" err="1"/>
+              <a:t>BinarySearch</a:t>
+            </a:r>
+            <a:r>
+              <a:rPr lang="nl-BE" dirty="0"/>
+              <a:t> heeft nadelen. </a:t>
+            </a:r>
+          </a:p>
+          <a:p>
+            <a:r>
+              <a:rPr lang="nl-BE" dirty="0"/>
+              <a:t>Manueel zoeken is dan de oplossing</a:t>
+            </a:r>
+          </a:p>
+        </p:txBody>
+      </p:sp>
+      <p:pic>
+        <p:nvPicPr>
+          <p:cNvPr id="4" name="Afbeelding 3">
+            <a:extLst>
+              <a:ext uri="{FF2B5EF4-FFF2-40B4-BE49-F238E27FC236}">
+                <a16:creationId xmlns:a16="http://schemas.microsoft.com/office/drawing/2014/main" id="{8EF8A3F7-51D9-4841-A4BE-2F403826EFB5}"/>
+              </a:ext>
+            </a:extLst>
+          </p:cNvPr>
+          <p:cNvPicPr>
+            <a:picLocks noChangeAspect="1"/>
+          </p:cNvPicPr>
+          <p:nvPr/>
+        </p:nvPicPr>
+        <p:blipFill>
+          <a:blip r:embed="rId2"/>
+          <a:stretch>
+            <a:fillRect/>
+          </a:stretch>
+        </p:blipFill>
         <p:spPr>
           <a:xfrm>
-            <a:off x="838200" y="963877"/>
-            <a:ext cx="3494362" cy="4930246"/>
+            <a:off x="2910297" y="3074201"/>
+            <a:ext cx="6639852" cy="3343742"/>
           </a:xfrm>
+          <a:prstGeom prst="rect">
+            <a:avLst/>
+          </a:prstGeom>
         </p:spPr>
-        <p:txBody>
-          <a:bodyPr>
-            <a:normAutofit/>
-          </a:bodyPr>
-          <a:lstStyle/>
-          <a:p>
-            <a:pPr algn="r" eaLnBrk="1" hangingPunct="1"/>
-            <a:r>
-              <a:rPr lang="en-US">
-                <a:solidFill>
-                  <a:schemeClr val="accent1"/>
-                </a:solidFill>
-              </a:rPr>
-              <a:t>Searching an Array Using a Loop</a:t>
-            </a:r>
-          </a:p>
-        </p:txBody>
-      </p:sp>
-      <p:sp>
-        <p:nvSpPr>
-          <p:cNvPr id="17413" name="Rectangle 3"/>
-          <p:cNvSpPr>
-            <a:spLocks noGrp="1" noChangeArrowheads="1"/>
-          </p:cNvSpPr>
-          <p:nvPr>
-            <p:ph idx="1"/>
-          </p:nvPr>
-        </p:nvSpPr>
-        <p:spPr>
-          <a:xfrm>
-            <a:off x="4976031" y="963877"/>
-            <a:ext cx="6377769" cy="4930246"/>
-          </a:xfrm>
-        </p:spPr>
-        <p:txBody>
-          <a:bodyPr anchor="ctr">
-            <a:normAutofit/>
-          </a:bodyPr>
-          <a:lstStyle/>
-          <a:p>
-            <a:pPr eaLnBrk="1" hangingPunct="1"/>
-            <a:r>
-              <a:rPr lang="en-US" sz="2400"/>
-              <a:t>Searching options</a:t>
-            </a:r>
-          </a:p>
-          <a:p>
-            <a:pPr lvl="1" eaLnBrk="1" hangingPunct="1"/>
-            <a:r>
-              <a:rPr lang="en-US"/>
-              <a:t>Using a </a:t>
-            </a:r>
-            <a:r>
-              <a:rPr lang="en-US">
-                <a:latin typeface="Courier New" pitchFamily="1" charset="0"/>
-              </a:rPr>
-              <a:t>for</a:t>
-            </a:r>
-            <a:r>
-              <a:rPr lang="en-US"/>
-              <a:t> loop</a:t>
-            </a:r>
-          </a:p>
-          <a:p>
-            <a:pPr lvl="1" eaLnBrk="1" hangingPunct="1"/>
-            <a:r>
-              <a:rPr lang="en-US"/>
-              <a:t>Using a </a:t>
-            </a:r>
-            <a:r>
-              <a:rPr lang="en-US">
-                <a:latin typeface="Courier New" pitchFamily="1" charset="0"/>
-              </a:rPr>
-              <a:t>while</a:t>
-            </a:r>
-            <a:r>
-              <a:rPr lang="en-US"/>
-              <a:t> loop</a:t>
-            </a:r>
-          </a:p>
-        </p:txBody>
-      </p:sp>
+      </p:pic>
     </p:spTree>
     <p:extLst>
       <p:ext uri="{BB962C8B-B14F-4D97-AF65-F5344CB8AC3E}">
-        <p14:creationId xmlns:p14="http://schemas.microsoft.com/office/powerpoint/2010/main" val="3058106377"/>
+        <p14:creationId xmlns:p14="http://schemas.microsoft.com/office/powerpoint/2010/main" val="4026522257"/>
       </p:ext>
     </p:extLst>
   </p:cSld>
@@ -6470,193 +5476,6 @@
 </file>
 
 <file path=ppt/slides/slide13.xml><?xml version="1.0" encoding="utf-8"?>
-<p:sld xmlns:a="http://schemas.openxmlformats.org/drawingml/2006/main" xmlns:r="http://schemas.openxmlformats.org/officeDocument/2006/relationships" xmlns:p="http://schemas.openxmlformats.org/presentationml/2006/main">
-  <p:cSld>
-    <p:bg>
-      <p:bgPr>
-        <a:solidFill>
-          <a:schemeClr val="bg1"/>
-        </a:solidFill>
-        <a:effectLst/>
-      </p:bgPr>
-    </p:bg>
-    <p:spTree>
-      <p:nvGrpSpPr>
-        <p:cNvPr id="1" name=""/>
-        <p:cNvGrpSpPr/>
-        <p:nvPr/>
-      </p:nvGrpSpPr>
-      <p:grpSpPr>
-        <a:xfrm>
-          <a:off x="0" y="0"/>
-          <a:ext cx="0" cy="0"/>
-          <a:chOff x="0" y="0"/>
-          <a:chExt cx="0" cy="0"/>
-        </a:xfrm>
-      </p:grpSpPr>
-      <p:sp>
-        <p:nvSpPr>
-          <p:cNvPr id="18436" name="Rectangle 2"/>
-          <p:cNvSpPr>
-            <a:spLocks noGrp="1" noChangeArrowheads="1"/>
-          </p:cNvSpPr>
-          <p:nvPr>
-            <p:ph type="title"/>
-          </p:nvPr>
-        </p:nvSpPr>
-        <p:spPr>
-          <a:xfrm>
-            <a:off x="1179226" y="826680"/>
-            <a:ext cx="9833548" cy="1325563"/>
-          </a:xfrm>
-        </p:spPr>
-        <p:txBody>
-          <a:bodyPr>
-            <a:normAutofit/>
-          </a:bodyPr>
-          <a:lstStyle/>
-          <a:p>
-            <a:pPr algn="ctr" eaLnBrk="1" hangingPunct="1"/>
-            <a:r>
-              <a:rPr lang="en-US" sz="4000">
-                <a:solidFill>
-                  <a:srgbClr val="FFFFFF"/>
-                </a:solidFill>
-              </a:rPr>
-              <a:t>Using a </a:t>
-            </a:r>
-            <a:r>
-              <a:rPr lang="en-US" sz="4000">
-                <a:solidFill>
-                  <a:srgbClr val="FFFFFF"/>
-                </a:solidFill>
-                <a:latin typeface="Courier New" pitchFamily="1" charset="0"/>
-              </a:rPr>
-              <a:t>for</a:t>
-            </a:r>
-            <a:r>
-              <a:rPr lang="en-US" sz="4000">
-                <a:solidFill>
-                  <a:srgbClr val="FFFFFF"/>
-                </a:solidFill>
-              </a:rPr>
-              <a:t> Loop to Search an Array</a:t>
-            </a:r>
-          </a:p>
-        </p:txBody>
-      </p:sp>
-      <p:sp>
-        <p:nvSpPr>
-          <p:cNvPr id="18437" name="Rectangle 3"/>
-          <p:cNvSpPr>
-            <a:spLocks noGrp="1" noChangeArrowheads="1"/>
-          </p:cNvSpPr>
-          <p:nvPr>
-            <p:ph idx="1"/>
-          </p:nvPr>
-        </p:nvSpPr>
-        <p:spPr>
-          <a:xfrm>
-            <a:off x="1179226" y="3092970"/>
-            <a:ext cx="9833548" cy="2693976"/>
-          </a:xfrm>
-        </p:spPr>
-        <p:txBody>
-          <a:bodyPr>
-            <a:normAutofit/>
-          </a:bodyPr>
-          <a:lstStyle/>
-          <a:p>
-            <a:pPr eaLnBrk="1" hangingPunct="1"/>
-            <a:r>
-              <a:rPr lang="en-US" sz="2000">
-                <a:solidFill>
-                  <a:srgbClr val="000000"/>
-                </a:solidFill>
-              </a:rPr>
-              <a:t>Use a </a:t>
-            </a:r>
-            <a:r>
-              <a:rPr lang="en-US" sz="2000">
-                <a:solidFill>
-                  <a:srgbClr val="000000"/>
-                </a:solidFill>
-                <a:latin typeface="Courier New" pitchFamily="1" charset="0"/>
-              </a:rPr>
-              <a:t>for</a:t>
-            </a:r>
-            <a:r>
-              <a:rPr lang="en-US" sz="2000">
-                <a:solidFill>
-                  <a:srgbClr val="000000"/>
-                </a:solidFill>
-              </a:rPr>
-              <a:t> statement to loop through the array </a:t>
-            </a:r>
-          </a:p>
-          <a:p>
-            <a:pPr lvl="1" eaLnBrk="1" hangingPunct="1"/>
-            <a:r>
-              <a:rPr lang="en-US" sz="2000">
-                <a:solidFill>
-                  <a:srgbClr val="000000"/>
-                </a:solidFill>
-              </a:rPr>
-              <a:t>Set a Boolean variable to </a:t>
-            </a:r>
-            <a:r>
-              <a:rPr lang="en-US" sz="2000">
-                <a:solidFill>
-                  <a:srgbClr val="000000"/>
-                </a:solidFill>
-                <a:latin typeface="Courier New" pitchFamily="1" charset="0"/>
-              </a:rPr>
-              <a:t>true</a:t>
-            </a:r>
-            <a:r>
-              <a:rPr lang="en-US" sz="2000">
-                <a:solidFill>
-                  <a:srgbClr val="000000"/>
-                </a:solidFill>
-              </a:rPr>
-              <a:t> when a match is found</a:t>
-            </a:r>
-          </a:p>
-          <a:p>
-            <a:pPr eaLnBrk="1" hangingPunct="1"/>
-            <a:r>
-              <a:rPr lang="en-US" sz="2000">
-                <a:solidFill>
-                  <a:srgbClr val="000000"/>
-                </a:solidFill>
-              </a:rPr>
-              <a:t>Solution is valid even with </a:t>
-            </a:r>
-            <a:r>
-              <a:rPr lang="en-US" sz="2000" b="1">
-                <a:solidFill>
-                  <a:srgbClr val="000000"/>
-                </a:solidFill>
-              </a:rPr>
-              <a:t>parallel arrays</a:t>
-            </a:r>
-          </a:p>
-        </p:txBody>
-      </p:sp>
-    </p:spTree>
-    <p:extLst>
-      <p:ext uri="{BB962C8B-B14F-4D97-AF65-F5344CB8AC3E}">
-        <p14:creationId xmlns:p14="http://schemas.microsoft.com/office/powerpoint/2010/main" val="3377689806"/>
-      </p:ext>
-    </p:extLst>
-  </p:cSld>
-  <p:clrMapOvr>
-    <a:masterClrMapping/>
-  </p:clrMapOvr>
-</p:sld>
-</file>
-
-<file path=ppt/slides/slide14.xml><?xml version="1.0" encoding="utf-8"?>
 <p:sld xmlns:a="http://schemas.openxmlformats.org/drawingml/2006/main" xmlns:r="http://schemas.openxmlformats.org/officeDocument/2006/relationships" xmlns:p="http://schemas.openxmlformats.org/presentationml/2006/main">
   <p:cSld>
     <p:spTree>
@@ -6675,2107 +5494,277 @@
       </p:grpSpPr>
       <p:sp>
         <p:nvSpPr>
-          <p:cNvPr id="10" name="Rechthoek 9">
-            <a:extLst>
-              <a:ext uri="{FF2B5EF4-FFF2-40B4-BE49-F238E27FC236}">
-                <a16:creationId xmlns:a16="http://schemas.microsoft.com/office/drawing/2014/main" id="{F3AFF6B4-7769-411A-BC76-B49F2437DAFC}"/>
-              </a:ext>
-            </a:extLst>
-          </p:cNvPr>
-          <p:cNvSpPr/>
+          <p:cNvPr id="2" name="Titel 1">
+            <a:extLst>
+              <a:ext uri="{FF2B5EF4-FFF2-40B4-BE49-F238E27FC236}">
+                <a16:creationId xmlns:a16="http://schemas.microsoft.com/office/drawing/2014/main" id="{81BA4012-DCD1-45FF-AD7F-514398AA4B4C}"/>
+              </a:ext>
+            </a:extLst>
+          </p:cNvPr>
+          <p:cNvSpPr>
+            <a:spLocks noGrp="1"/>
+          </p:cNvSpPr>
+          <p:nvPr>
+            <p:ph type="title"/>
+          </p:nvPr>
+        </p:nvSpPr>
+        <p:spPr/>
+        <p:txBody>
+          <a:bodyPr/>
+          <a:lstStyle/>
+          <a:p>
+            <a:r>
+              <a:rPr lang="nl-BE" dirty="0"/>
+              <a:t>Synchrone arrays en zoeken:</a:t>
+            </a:r>
+          </a:p>
+        </p:txBody>
+      </p:sp>
+      <p:sp>
+        <p:nvSpPr>
+          <p:cNvPr id="3" name="Tijdelijke aanduiding voor inhoud 2">
+            <a:extLst>
+              <a:ext uri="{FF2B5EF4-FFF2-40B4-BE49-F238E27FC236}">
+                <a16:creationId xmlns:a16="http://schemas.microsoft.com/office/drawing/2014/main" id="{6FE0C19C-3CB0-41F3-AB57-C2C61D5E6C6A}"/>
+              </a:ext>
+            </a:extLst>
+          </p:cNvPr>
+          <p:cNvSpPr>
+            <a:spLocks noGrp="1"/>
+          </p:cNvSpPr>
+          <p:nvPr>
+            <p:ph idx="1"/>
+          </p:nvPr>
+        </p:nvSpPr>
+        <p:spPr/>
+        <p:txBody>
+          <a:bodyPr/>
+          <a:lstStyle/>
+          <a:p>
+            <a:endParaRPr lang="nl-BE"/>
+          </a:p>
+        </p:txBody>
+      </p:sp>
+      <p:pic>
+        <p:nvPicPr>
+          <p:cNvPr id="4" name="Afbeelding 3">
+            <a:extLst>
+              <a:ext uri="{FF2B5EF4-FFF2-40B4-BE49-F238E27FC236}">
+                <a16:creationId xmlns:a16="http://schemas.microsoft.com/office/drawing/2014/main" id="{7E5A8B63-DAB9-4C78-B9FB-850A20B77432}"/>
+              </a:ext>
+            </a:extLst>
+          </p:cNvPr>
+          <p:cNvPicPr>
+            <a:picLocks noChangeAspect="1"/>
+          </p:cNvPicPr>
           <p:nvPr/>
-        </p:nvSpPr>
+        </p:nvPicPr>
+        <p:blipFill>
+          <a:blip r:embed="rId2"/>
+          <a:stretch>
+            <a:fillRect/>
+          </a:stretch>
+        </p:blipFill>
         <p:spPr>
           <a:xfrm>
-            <a:off x="223630" y="1833771"/>
-            <a:ext cx="7290353" cy="2852530"/>
+            <a:off x="838200" y="1439482"/>
+            <a:ext cx="5010466" cy="557888"/>
           </a:xfrm>
           <a:prstGeom prst="rect">
             <a:avLst/>
           </a:prstGeom>
         </p:spPr>
-        <p:style>
-          <a:lnRef idx="2">
-            <a:schemeClr val="accent4">
-              <a:shade val="50000"/>
-            </a:schemeClr>
-          </a:lnRef>
-          <a:fillRef idx="1">
-            <a:schemeClr val="accent4"/>
-          </a:fillRef>
-          <a:effectRef idx="0">
-            <a:schemeClr val="accent4"/>
-          </a:effectRef>
-          <a:fontRef idx="minor">
-            <a:schemeClr val="lt1"/>
-          </a:fontRef>
-        </p:style>
-        <p:txBody>
-          <a:bodyPr rtlCol="0" anchor="ctr"/>
-          <a:lstStyle/>
-          <a:p>
-            <a:pPr algn="ctr"/>
-            <a:endParaRPr lang="nl-BE"/>
-          </a:p>
-        </p:txBody>
-      </p:sp>
-      <p:sp>
-        <p:nvSpPr>
-          <p:cNvPr id="19460" name="Rectangle 2"/>
-          <p:cNvSpPr>
-            <a:spLocks noGrp="1" noChangeArrowheads="1"/>
-          </p:cNvSpPr>
-          <p:nvPr>
-            <p:ph type="title"/>
-          </p:nvPr>
-        </p:nvSpPr>
+      </p:pic>
+      <p:pic>
+        <p:nvPicPr>
+          <p:cNvPr id="5" name="Afbeelding 4">
+            <a:extLst>
+              <a:ext uri="{FF2B5EF4-FFF2-40B4-BE49-F238E27FC236}">
+                <a16:creationId xmlns:a16="http://schemas.microsoft.com/office/drawing/2014/main" id="{F5EAB074-DC84-4D3E-BD83-C2373CF21F9B}"/>
+              </a:ext>
+            </a:extLst>
+          </p:cNvPr>
+          <p:cNvPicPr>
+            <a:picLocks noChangeAspect="1"/>
+          </p:cNvPicPr>
+          <p:nvPr/>
+        </p:nvPicPr>
+        <p:blipFill>
+          <a:blip r:embed="rId3"/>
+          <a:stretch>
+            <a:fillRect/>
+          </a:stretch>
+        </p:blipFill>
         <p:spPr>
           <a:xfrm>
-            <a:off x="2057400" y="79515"/>
-            <a:ext cx="8077200" cy="1143000"/>
-          </a:xfrm>
-        </p:spPr>
-        <p:txBody>
-          <a:bodyPr>
-            <a:normAutofit/>
-          </a:bodyPr>
-          <a:lstStyle/>
-          <a:p>
-            <a:pPr eaLnBrk="1" hangingPunct="1"/>
-            <a:r>
-              <a:rPr lang="en-US" dirty="0"/>
-              <a:t>Using a </a:t>
-            </a:r>
-            <a:r>
-              <a:rPr lang="en-US" dirty="0">
-                <a:latin typeface="Courier New" pitchFamily="1" charset="0"/>
-              </a:rPr>
-              <a:t>for</a:t>
-            </a:r>
-            <a:r>
-              <a:rPr lang="en-US" dirty="0"/>
-              <a:t> Loop to Search an Array</a:t>
-            </a:r>
-          </a:p>
-        </p:txBody>
-      </p:sp>
-      <p:sp>
-        <p:nvSpPr>
-          <p:cNvPr id="2" name="Rechthoek 1">
-            <a:extLst>
-              <a:ext uri="{FF2B5EF4-FFF2-40B4-BE49-F238E27FC236}">
-                <a16:creationId xmlns:a16="http://schemas.microsoft.com/office/drawing/2014/main" id="{833054DB-B0E9-435E-851B-D9956A0C0F38}"/>
-              </a:ext>
-            </a:extLst>
-          </p:cNvPr>
-          <p:cNvSpPr/>
-          <p:nvPr/>
-        </p:nvSpPr>
-        <p:spPr>
-          <a:xfrm>
-            <a:off x="612914" y="940502"/>
-            <a:ext cx="9480274" cy="5693866"/>
+            <a:off x="838200" y="3036954"/>
+            <a:ext cx="6506483" cy="3753374"/>
           </a:xfrm>
           <a:prstGeom prst="rect">
             <a:avLst/>
           </a:prstGeom>
         </p:spPr>
-        <p:txBody>
-          <a:bodyPr wrap="square">
-            <a:spAutoFit/>
-          </a:bodyPr>
-          <a:lstStyle/>
-          <a:p>
-            <a:r>
-              <a:rPr lang="en-US" sz="1400" dirty="0">
-                <a:solidFill>
-                  <a:srgbClr val="0000FF"/>
-                </a:solidFill>
-                <a:latin typeface="Consolas" panose="020B0609020204030204" pitchFamily="49" charset="0"/>
-              </a:rPr>
-              <a:t>string</a:t>
-            </a:r>
-            <a:r>
-              <a:rPr lang="en-US" sz="1400" dirty="0">
-                <a:solidFill>
-                  <a:srgbClr val="000000"/>
-                </a:solidFill>
-                <a:latin typeface="Consolas" panose="020B0609020204030204" pitchFamily="49" charset="0"/>
-              </a:rPr>
-              <a:t>[] products = { </a:t>
-            </a:r>
-            <a:r>
-              <a:rPr lang="en-US" sz="1400" dirty="0">
-                <a:solidFill>
-                  <a:srgbClr val="A31515"/>
-                </a:solidFill>
-                <a:latin typeface="Consolas" panose="020B0609020204030204" pitchFamily="49" charset="0"/>
-              </a:rPr>
-              <a:t>"apples"</a:t>
-            </a:r>
-            <a:r>
-              <a:rPr lang="en-US" sz="1400" dirty="0">
-                <a:solidFill>
-                  <a:srgbClr val="000000"/>
-                </a:solidFill>
-                <a:latin typeface="Consolas" panose="020B0609020204030204" pitchFamily="49" charset="0"/>
-              </a:rPr>
-              <a:t>, </a:t>
-            </a:r>
-            <a:r>
-              <a:rPr lang="en-US" sz="1400" dirty="0">
-                <a:solidFill>
-                  <a:srgbClr val="A31515"/>
-                </a:solidFill>
-                <a:latin typeface="Consolas" panose="020B0609020204030204" pitchFamily="49" charset="0"/>
-              </a:rPr>
-              <a:t>"pears"</a:t>
-            </a:r>
-            <a:r>
-              <a:rPr lang="en-US" sz="1400" dirty="0">
-                <a:solidFill>
-                  <a:srgbClr val="000000"/>
-                </a:solidFill>
-                <a:latin typeface="Consolas" panose="020B0609020204030204" pitchFamily="49" charset="0"/>
-              </a:rPr>
-              <a:t>, </a:t>
-            </a:r>
-            <a:r>
-              <a:rPr lang="en-US" sz="1400" dirty="0">
-                <a:solidFill>
-                  <a:srgbClr val="A31515"/>
-                </a:solidFill>
-                <a:latin typeface="Consolas" panose="020B0609020204030204" pitchFamily="49" charset="0"/>
-              </a:rPr>
-              <a:t>"melons"</a:t>
-            </a:r>
-            <a:r>
-              <a:rPr lang="en-US" sz="1400" dirty="0">
-                <a:solidFill>
-                  <a:srgbClr val="000000"/>
-                </a:solidFill>
-                <a:latin typeface="Consolas" panose="020B0609020204030204" pitchFamily="49" charset="0"/>
-              </a:rPr>
-              <a:t> };</a:t>
-            </a:r>
-          </a:p>
-          <a:p>
-            <a:r>
-              <a:rPr lang="fr-FR" sz="1400" dirty="0">
-                <a:solidFill>
-                  <a:srgbClr val="0000FF"/>
-                </a:solidFill>
-                <a:latin typeface="Consolas" panose="020B0609020204030204" pitchFamily="49" charset="0"/>
-              </a:rPr>
-              <a:t>double</a:t>
-            </a:r>
-            <a:r>
-              <a:rPr lang="fr-FR" sz="1400" dirty="0">
-                <a:solidFill>
-                  <a:srgbClr val="000000"/>
-                </a:solidFill>
-                <a:latin typeface="Consolas" panose="020B0609020204030204" pitchFamily="49" charset="0"/>
-              </a:rPr>
-              <a:t>[] </a:t>
-            </a:r>
-            <a:r>
-              <a:rPr lang="fr-FR" sz="1400" dirty="0" err="1">
-                <a:solidFill>
-                  <a:srgbClr val="000000"/>
-                </a:solidFill>
-                <a:latin typeface="Consolas" panose="020B0609020204030204" pitchFamily="49" charset="0"/>
-              </a:rPr>
-              <a:t>prices</a:t>
-            </a:r>
-            <a:r>
-              <a:rPr lang="fr-FR" sz="1400" dirty="0">
-                <a:solidFill>
-                  <a:srgbClr val="000000"/>
-                </a:solidFill>
-                <a:latin typeface="Consolas" panose="020B0609020204030204" pitchFamily="49" charset="0"/>
-              </a:rPr>
-              <a:t> = { 3.3, 6.2, 2.9 };</a:t>
-            </a:r>
-          </a:p>
-          <a:p>
-            <a:endParaRPr lang="nl-BE" sz="1400" dirty="0">
-              <a:solidFill>
-                <a:srgbClr val="000000"/>
-              </a:solidFill>
-              <a:latin typeface="Consolas" panose="020B0609020204030204" pitchFamily="49" charset="0"/>
-            </a:endParaRPr>
-          </a:p>
-          <a:p>
-            <a:r>
-              <a:rPr lang="en-US" sz="1400" dirty="0" err="1">
-                <a:solidFill>
-                  <a:srgbClr val="000000"/>
-                </a:solidFill>
-                <a:latin typeface="Consolas" panose="020B0609020204030204" pitchFamily="49" charset="0"/>
-              </a:rPr>
-              <a:t>Console.WriteLine</a:t>
-            </a:r>
-            <a:r>
-              <a:rPr lang="en-US" sz="1400" dirty="0">
-                <a:solidFill>
-                  <a:srgbClr val="000000"/>
-                </a:solidFill>
-                <a:latin typeface="Consolas" panose="020B0609020204030204" pitchFamily="49" charset="0"/>
-              </a:rPr>
-              <a:t>(</a:t>
-            </a:r>
-            <a:r>
-              <a:rPr lang="en-US" sz="1400" dirty="0">
-                <a:solidFill>
-                  <a:srgbClr val="A31515"/>
-                </a:solidFill>
-                <a:latin typeface="Consolas" panose="020B0609020204030204" pitchFamily="49" charset="0"/>
-              </a:rPr>
-              <a:t>"Which price do you need?"</a:t>
-            </a:r>
-            <a:r>
-              <a:rPr lang="en-US" sz="1400" dirty="0">
-                <a:solidFill>
-                  <a:srgbClr val="000000"/>
-                </a:solidFill>
-                <a:latin typeface="Consolas" panose="020B0609020204030204" pitchFamily="49" charset="0"/>
-              </a:rPr>
-              <a:t>);</a:t>
-            </a:r>
-          </a:p>
-          <a:p>
-            <a:r>
-              <a:rPr lang="nl-BE" sz="1400" dirty="0">
-                <a:solidFill>
-                  <a:srgbClr val="0000FF"/>
-                </a:solidFill>
-                <a:latin typeface="Consolas" panose="020B0609020204030204" pitchFamily="49" charset="0"/>
-              </a:rPr>
-              <a:t>string</a:t>
-            </a:r>
-            <a:r>
-              <a:rPr lang="nl-BE" sz="1400" dirty="0">
-                <a:solidFill>
-                  <a:srgbClr val="000000"/>
-                </a:solidFill>
-                <a:latin typeface="Consolas" panose="020B0609020204030204" pitchFamily="49" charset="0"/>
-              </a:rPr>
-              <a:t> </a:t>
-            </a:r>
-            <a:r>
-              <a:rPr lang="nl-BE" sz="1400" dirty="0" err="1">
-                <a:solidFill>
-                  <a:srgbClr val="000000"/>
-                </a:solidFill>
-                <a:latin typeface="Consolas" panose="020B0609020204030204" pitchFamily="49" charset="0"/>
-              </a:rPr>
-              <a:t>userchoice</a:t>
-            </a:r>
-            <a:r>
-              <a:rPr lang="nl-BE" sz="1400" dirty="0">
-                <a:solidFill>
-                  <a:srgbClr val="000000"/>
-                </a:solidFill>
-                <a:latin typeface="Consolas" panose="020B0609020204030204" pitchFamily="49" charset="0"/>
-              </a:rPr>
-              <a:t> = </a:t>
-            </a:r>
-            <a:r>
-              <a:rPr lang="nl-BE" sz="1400" dirty="0" err="1">
-                <a:solidFill>
-                  <a:srgbClr val="000000"/>
-                </a:solidFill>
-                <a:latin typeface="Consolas" panose="020B0609020204030204" pitchFamily="49" charset="0"/>
-              </a:rPr>
-              <a:t>Console.ReadLine</a:t>
-            </a:r>
-            <a:r>
-              <a:rPr lang="nl-BE" sz="1400" dirty="0">
-                <a:solidFill>
-                  <a:srgbClr val="000000"/>
-                </a:solidFill>
-                <a:latin typeface="Consolas" panose="020B0609020204030204" pitchFamily="49" charset="0"/>
-              </a:rPr>
-              <a:t>();</a:t>
-            </a:r>
-          </a:p>
-          <a:p>
-            <a:endParaRPr lang="nl-BE" sz="1400" dirty="0">
-              <a:solidFill>
-                <a:srgbClr val="000000"/>
-              </a:solidFill>
-              <a:latin typeface="Consolas" panose="020B0609020204030204" pitchFamily="49" charset="0"/>
-            </a:endParaRPr>
-          </a:p>
-          <a:p>
-            <a:r>
-              <a:rPr lang="nl-BE" sz="1400" dirty="0" err="1">
-                <a:solidFill>
-                  <a:srgbClr val="0000FF"/>
-                </a:solidFill>
-                <a:latin typeface="Consolas" panose="020B0609020204030204" pitchFamily="49" charset="0"/>
-              </a:rPr>
-              <a:t>bool</a:t>
-            </a:r>
-            <a:r>
-              <a:rPr lang="nl-BE" sz="1400" dirty="0">
-                <a:solidFill>
-                  <a:srgbClr val="000000"/>
-                </a:solidFill>
-                <a:latin typeface="Consolas" panose="020B0609020204030204" pitchFamily="49" charset="0"/>
-              </a:rPr>
-              <a:t> found = </a:t>
-            </a:r>
-            <a:r>
-              <a:rPr lang="nl-BE" sz="1400" dirty="0" err="1">
-                <a:solidFill>
-                  <a:srgbClr val="0000FF"/>
-                </a:solidFill>
-                <a:latin typeface="Consolas" panose="020B0609020204030204" pitchFamily="49" charset="0"/>
-              </a:rPr>
-              <a:t>false</a:t>
-            </a:r>
-            <a:r>
-              <a:rPr lang="nl-BE" sz="1400" dirty="0">
-                <a:solidFill>
-                  <a:srgbClr val="000000"/>
-                </a:solidFill>
-                <a:latin typeface="Consolas" panose="020B0609020204030204" pitchFamily="49" charset="0"/>
-              </a:rPr>
-              <a:t>;</a:t>
-            </a:r>
-          </a:p>
-          <a:p>
-            <a:r>
-              <a:rPr lang="nl-BE" sz="1400" dirty="0">
-                <a:solidFill>
-                  <a:srgbClr val="0000FF"/>
-                </a:solidFill>
-                <a:latin typeface="Consolas" panose="020B0609020204030204" pitchFamily="49" charset="0"/>
-              </a:rPr>
-              <a:t>int</a:t>
-            </a:r>
-            <a:r>
-              <a:rPr lang="nl-BE" sz="1400" dirty="0">
-                <a:solidFill>
-                  <a:srgbClr val="000000"/>
-                </a:solidFill>
-                <a:latin typeface="Consolas" panose="020B0609020204030204" pitchFamily="49" charset="0"/>
-              </a:rPr>
-              <a:t> </a:t>
-            </a:r>
-            <a:r>
-              <a:rPr lang="nl-BE" sz="1400" dirty="0" err="1">
-                <a:solidFill>
-                  <a:srgbClr val="000000"/>
-                </a:solidFill>
-                <a:latin typeface="Consolas" panose="020B0609020204030204" pitchFamily="49" charset="0"/>
-              </a:rPr>
-              <a:t>productIndex</a:t>
-            </a:r>
-            <a:r>
-              <a:rPr lang="nl-BE" sz="1400" dirty="0">
-                <a:solidFill>
-                  <a:srgbClr val="000000"/>
-                </a:solidFill>
-                <a:latin typeface="Consolas" panose="020B0609020204030204" pitchFamily="49" charset="0"/>
-              </a:rPr>
-              <a:t> = -1;</a:t>
-            </a:r>
-          </a:p>
-          <a:p>
-            <a:endParaRPr lang="nl-BE" sz="1400" dirty="0">
-              <a:solidFill>
-                <a:srgbClr val="000000"/>
-              </a:solidFill>
-              <a:latin typeface="Consolas" panose="020B0609020204030204" pitchFamily="49" charset="0"/>
-            </a:endParaRPr>
-          </a:p>
-          <a:p>
-            <a:r>
-              <a:rPr lang="nl-BE" sz="1400" dirty="0" err="1">
-                <a:solidFill>
-                  <a:srgbClr val="0000FF"/>
-                </a:solidFill>
-                <a:latin typeface="Consolas" panose="020B0609020204030204" pitchFamily="49" charset="0"/>
-              </a:rPr>
-              <a:t>for</a:t>
-            </a:r>
-            <a:r>
-              <a:rPr lang="nl-BE" sz="1400" dirty="0">
-                <a:solidFill>
-                  <a:srgbClr val="000000"/>
-                </a:solidFill>
-                <a:latin typeface="Consolas" panose="020B0609020204030204" pitchFamily="49" charset="0"/>
-              </a:rPr>
-              <a:t> (</a:t>
-            </a:r>
-            <a:r>
-              <a:rPr lang="nl-BE" sz="1400" dirty="0">
-                <a:solidFill>
-                  <a:srgbClr val="0000FF"/>
-                </a:solidFill>
-                <a:latin typeface="Consolas" panose="020B0609020204030204" pitchFamily="49" charset="0"/>
-              </a:rPr>
-              <a:t>int</a:t>
-            </a:r>
-            <a:r>
-              <a:rPr lang="nl-BE" sz="1400" dirty="0">
-                <a:solidFill>
-                  <a:srgbClr val="000000"/>
-                </a:solidFill>
-                <a:latin typeface="Consolas" panose="020B0609020204030204" pitchFamily="49" charset="0"/>
-              </a:rPr>
-              <a:t> i = 0; i &lt; </a:t>
-            </a:r>
-            <a:r>
-              <a:rPr lang="nl-BE" sz="1400" dirty="0" err="1">
-                <a:solidFill>
-                  <a:srgbClr val="000000"/>
-                </a:solidFill>
-                <a:latin typeface="Consolas" panose="020B0609020204030204" pitchFamily="49" charset="0"/>
-              </a:rPr>
-              <a:t>products.Length</a:t>
-            </a:r>
-            <a:r>
-              <a:rPr lang="nl-BE" sz="1400" dirty="0">
-                <a:solidFill>
-                  <a:srgbClr val="000000"/>
-                </a:solidFill>
-                <a:latin typeface="Consolas" panose="020B0609020204030204" pitchFamily="49" charset="0"/>
-              </a:rPr>
-              <a:t>; i++)</a:t>
-            </a:r>
-          </a:p>
-          <a:p>
-            <a:r>
-              <a:rPr lang="nl-BE" sz="1400" dirty="0">
-                <a:solidFill>
-                  <a:srgbClr val="000000"/>
-                </a:solidFill>
-                <a:latin typeface="Consolas" panose="020B0609020204030204" pitchFamily="49" charset="0"/>
-              </a:rPr>
-              <a:t>{</a:t>
-            </a:r>
-          </a:p>
-          <a:p>
-            <a:r>
-              <a:rPr lang="nl-BE" sz="1400" dirty="0">
-                <a:solidFill>
-                  <a:srgbClr val="000000"/>
-                </a:solidFill>
-                <a:latin typeface="Consolas" panose="020B0609020204030204" pitchFamily="49" charset="0"/>
-              </a:rPr>
-              <a:t>    </a:t>
-            </a:r>
-            <a:r>
-              <a:rPr lang="nl-BE" sz="1400" dirty="0" err="1">
-                <a:solidFill>
-                  <a:srgbClr val="0000FF"/>
-                </a:solidFill>
-                <a:latin typeface="Consolas" panose="020B0609020204030204" pitchFamily="49" charset="0"/>
-              </a:rPr>
-              <a:t>if</a:t>
-            </a:r>
-            <a:r>
-              <a:rPr lang="nl-BE" sz="1400" dirty="0">
-                <a:solidFill>
-                  <a:srgbClr val="000000"/>
-                </a:solidFill>
-                <a:latin typeface="Consolas" panose="020B0609020204030204" pitchFamily="49" charset="0"/>
-              </a:rPr>
-              <a:t>(</a:t>
-            </a:r>
-            <a:r>
-              <a:rPr lang="nl-BE" sz="1400" dirty="0" err="1">
-                <a:solidFill>
-                  <a:srgbClr val="000000"/>
-                </a:solidFill>
-                <a:latin typeface="Consolas" panose="020B0609020204030204" pitchFamily="49" charset="0"/>
-              </a:rPr>
-              <a:t>products</a:t>
-            </a:r>
-            <a:r>
-              <a:rPr lang="nl-BE" sz="1400" dirty="0">
-                <a:solidFill>
-                  <a:srgbClr val="000000"/>
-                </a:solidFill>
-                <a:latin typeface="Consolas" panose="020B0609020204030204" pitchFamily="49" charset="0"/>
-              </a:rPr>
-              <a:t>[i]== </a:t>
-            </a:r>
-            <a:r>
-              <a:rPr lang="nl-BE" sz="1400" dirty="0" err="1">
-                <a:solidFill>
-                  <a:srgbClr val="000000"/>
-                </a:solidFill>
-                <a:latin typeface="Consolas" panose="020B0609020204030204" pitchFamily="49" charset="0"/>
-              </a:rPr>
-              <a:t>userchoice</a:t>
-            </a:r>
-            <a:r>
-              <a:rPr lang="nl-BE" sz="1400" dirty="0">
-                <a:solidFill>
-                  <a:srgbClr val="000000"/>
-                </a:solidFill>
-                <a:latin typeface="Consolas" panose="020B0609020204030204" pitchFamily="49" charset="0"/>
-              </a:rPr>
-              <a:t>)</a:t>
-            </a:r>
-          </a:p>
-          <a:p>
-            <a:r>
-              <a:rPr lang="nl-BE" sz="1400" dirty="0">
-                <a:solidFill>
-                  <a:srgbClr val="000000"/>
-                </a:solidFill>
-                <a:latin typeface="Consolas" panose="020B0609020204030204" pitchFamily="49" charset="0"/>
-              </a:rPr>
-              <a:t>    {</a:t>
-            </a:r>
-          </a:p>
-          <a:p>
-            <a:r>
-              <a:rPr lang="nl-BE" sz="1400" dirty="0">
-                <a:solidFill>
-                  <a:srgbClr val="000000"/>
-                </a:solidFill>
-                <a:latin typeface="Consolas" panose="020B0609020204030204" pitchFamily="49" charset="0"/>
-              </a:rPr>
-              <a:t>        found = </a:t>
-            </a:r>
-            <a:r>
-              <a:rPr lang="nl-BE" sz="1400" dirty="0" err="1">
-                <a:solidFill>
-                  <a:srgbClr val="0000FF"/>
-                </a:solidFill>
-                <a:latin typeface="Consolas" panose="020B0609020204030204" pitchFamily="49" charset="0"/>
-              </a:rPr>
-              <a:t>true</a:t>
-            </a:r>
-            <a:r>
-              <a:rPr lang="nl-BE" sz="1400" dirty="0">
-                <a:solidFill>
-                  <a:srgbClr val="000000"/>
-                </a:solidFill>
-                <a:latin typeface="Consolas" panose="020B0609020204030204" pitchFamily="49" charset="0"/>
-              </a:rPr>
-              <a:t>;</a:t>
-            </a:r>
-          </a:p>
-          <a:p>
-            <a:r>
-              <a:rPr lang="nl-BE" sz="1400" dirty="0">
-                <a:solidFill>
-                  <a:srgbClr val="000000"/>
-                </a:solidFill>
-                <a:latin typeface="Consolas" panose="020B0609020204030204" pitchFamily="49" charset="0"/>
-              </a:rPr>
-              <a:t>        </a:t>
-            </a:r>
-            <a:r>
-              <a:rPr lang="nl-BE" sz="1400" dirty="0" err="1">
-                <a:solidFill>
-                  <a:srgbClr val="000000"/>
-                </a:solidFill>
-                <a:latin typeface="Consolas" panose="020B0609020204030204" pitchFamily="49" charset="0"/>
-              </a:rPr>
-              <a:t>productIndex</a:t>
-            </a:r>
-            <a:r>
-              <a:rPr lang="nl-BE" sz="1400" dirty="0">
-                <a:solidFill>
-                  <a:srgbClr val="000000"/>
-                </a:solidFill>
-                <a:latin typeface="Consolas" panose="020B0609020204030204" pitchFamily="49" charset="0"/>
-              </a:rPr>
-              <a:t> = i;</a:t>
-            </a:r>
-          </a:p>
-          <a:p>
-            <a:r>
-              <a:rPr lang="nl-BE" sz="1400" dirty="0">
-                <a:solidFill>
-                  <a:srgbClr val="000000"/>
-                </a:solidFill>
-                <a:latin typeface="Consolas" panose="020B0609020204030204" pitchFamily="49" charset="0"/>
-              </a:rPr>
-              <a:t>    }</a:t>
-            </a:r>
-          </a:p>
-          <a:p>
-            <a:r>
-              <a:rPr lang="nl-BE" sz="1400" dirty="0">
-                <a:solidFill>
-                  <a:srgbClr val="000000"/>
-                </a:solidFill>
-                <a:latin typeface="Consolas" panose="020B0609020204030204" pitchFamily="49" charset="0"/>
-              </a:rPr>
-              <a:t>}</a:t>
-            </a:r>
-          </a:p>
-          <a:p>
-            <a:endParaRPr lang="nl-BE" sz="1400" dirty="0">
-              <a:solidFill>
-                <a:srgbClr val="000000"/>
-              </a:solidFill>
-              <a:latin typeface="Consolas" panose="020B0609020204030204" pitchFamily="49" charset="0"/>
-            </a:endParaRPr>
-          </a:p>
-          <a:p>
-            <a:r>
-              <a:rPr lang="nl-BE" sz="1400" dirty="0" err="1">
-                <a:solidFill>
-                  <a:srgbClr val="0000FF"/>
-                </a:solidFill>
-                <a:latin typeface="Consolas" panose="020B0609020204030204" pitchFamily="49" charset="0"/>
-              </a:rPr>
-              <a:t>if</a:t>
-            </a:r>
-            <a:r>
-              <a:rPr lang="nl-BE" sz="1400" dirty="0">
-                <a:solidFill>
-                  <a:srgbClr val="000000"/>
-                </a:solidFill>
-                <a:latin typeface="Consolas" panose="020B0609020204030204" pitchFamily="49" charset="0"/>
-              </a:rPr>
-              <a:t>(found==</a:t>
-            </a:r>
-            <a:r>
-              <a:rPr lang="nl-BE" sz="1400" dirty="0" err="1">
-                <a:solidFill>
-                  <a:srgbClr val="0000FF"/>
-                </a:solidFill>
-                <a:latin typeface="Consolas" panose="020B0609020204030204" pitchFamily="49" charset="0"/>
-              </a:rPr>
-              <a:t>true</a:t>
-            </a:r>
-            <a:r>
-              <a:rPr lang="nl-BE" sz="1400" dirty="0">
-                <a:solidFill>
-                  <a:srgbClr val="000000"/>
-                </a:solidFill>
-                <a:latin typeface="Consolas" panose="020B0609020204030204" pitchFamily="49" charset="0"/>
-              </a:rPr>
-              <a:t>)</a:t>
-            </a:r>
-          </a:p>
-          <a:p>
-            <a:r>
-              <a:rPr lang="nl-BE" sz="1400" dirty="0">
-                <a:solidFill>
-                  <a:srgbClr val="000000"/>
-                </a:solidFill>
-                <a:latin typeface="Consolas" panose="020B0609020204030204" pitchFamily="49" charset="0"/>
-              </a:rPr>
-              <a:t>{</a:t>
-            </a:r>
-          </a:p>
-          <a:p>
-            <a:r>
-              <a:rPr lang="en-US" sz="1400" dirty="0">
-                <a:solidFill>
-                  <a:srgbClr val="000000"/>
-                </a:solidFill>
-                <a:latin typeface="Consolas" panose="020B0609020204030204" pitchFamily="49" charset="0"/>
-              </a:rPr>
-              <a:t>    </a:t>
-            </a:r>
-            <a:r>
-              <a:rPr lang="en-US" sz="1400" dirty="0" err="1">
-                <a:solidFill>
-                  <a:srgbClr val="000000"/>
-                </a:solidFill>
-                <a:latin typeface="Consolas" panose="020B0609020204030204" pitchFamily="49" charset="0"/>
-              </a:rPr>
-              <a:t>Console.WriteLine</a:t>
-            </a:r>
-            <a:r>
-              <a:rPr lang="en-US" sz="1400" dirty="0">
-                <a:solidFill>
-                  <a:srgbClr val="000000"/>
-                </a:solidFill>
-                <a:latin typeface="Consolas" panose="020B0609020204030204" pitchFamily="49" charset="0"/>
-              </a:rPr>
-              <a:t>(</a:t>
-            </a:r>
-            <a:r>
-              <a:rPr lang="en-US" sz="1400" dirty="0">
-                <a:solidFill>
-                  <a:srgbClr val="A31515"/>
-                </a:solidFill>
-                <a:latin typeface="Consolas" panose="020B0609020204030204" pitchFamily="49" charset="0"/>
-              </a:rPr>
-              <a:t>$"Price for </a:t>
-            </a:r>
-            <a:r>
-              <a:rPr lang="en-US" sz="1400" dirty="0">
-                <a:solidFill>
-                  <a:srgbClr val="000000"/>
-                </a:solidFill>
-                <a:latin typeface="Consolas" panose="020B0609020204030204" pitchFamily="49" charset="0"/>
-              </a:rPr>
-              <a:t>{</a:t>
-            </a:r>
-            <a:r>
-              <a:rPr lang="en-US" sz="1400" dirty="0" err="1">
-                <a:solidFill>
-                  <a:srgbClr val="000000"/>
-                </a:solidFill>
-                <a:latin typeface="Consolas" panose="020B0609020204030204" pitchFamily="49" charset="0"/>
-              </a:rPr>
-              <a:t>userchoice</a:t>
-            </a:r>
-            <a:r>
-              <a:rPr lang="en-US" sz="1400" dirty="0">
-                <a:solidFill>
-                  <a:srgbClr val="000000"/>
-                </a:solidFill>
-                <a:latin typeface="Consolas" panose="020B0609020204030204" pitchFamily="49" charset="0"/>
-              </a:rPr>
-              <a:t>}</a:t>
-            </a:r>
-            <a:r>
-              <a:rPr lang="en-US" sz="1400" dirty="0">
-                <a:solidFill>
-                  <a:srgbClr val="A31515"/>
-                </a:solidFill>
-                <a:latin typeface="Consolas" panose="020B0609020204030204" pitchFamily="49" charset="0"/>
-              </a:rPr>
-              <a:t> is </a:t>
-            </a:r>
-            <a:r>
-              <a:rPr lang="en-US" sz="1400" dirty="0">
-                <a:solidFill>
-                  <a:srgbClr val="000000"/>
-                </a:solidFill>
-                <a:latin typeface="Consolas" panose="020B0609020204030204" pitchFamily="49" charset="0"/>
-              </a:rPr>
-              <a:t>{prices[</a:t>
-            </a:r>
-            <a:r>
-              <a:rPr lang="en-US" sz="1400" dirty="0" err="1">
-                <a:solidFill>
-                  <a:srgbClr val="000000"/>
-                </a:solidFill>
-                <a:latin typeface="Consolas" panose="020B0609020204030204" pitchFamily="49" charset="0"/>
-              </a:rPr>
-              <a:t>productIndex</a:t>
-            </a:r>
-            <a:r>
-              <a:rPr lang="en-US" sz="1400" dirty="0">
-                <a:solidFill>
-                  <a:srgbClr val="000000"/>
-                </a:solidFill>
-                <a:latin typeface="Consolas" panose="020B0609020204030204" pitchFamily="49" charset="0"/>
-              </a:rPr>
-              <a:t>]}</a:t>
-            </a:r>
-            <a:r>
-              <a:rPr lang="en-US" sz="1400" dirty="0">
-                <a:solidFill>
-                  <a:srgbClr val="A31515"/>
-                </a:solidFill>
-                <a:latin typeface="Consolas" panose="020B0609020204030204" pitchFamily="49" charset="0"/>
-              </a:rPr>
-              <a:t>"</a:t>
-            </a:r>
-            <a:r>
-              <a:rPr lang="en-US" sz="1400" dirty="0">
-                <a:solidFill>
-                  <a:srgbClr val="000000"/>
-                </a:solidFill>
-                <a:latin typeface="Consolas" panose="020B0609020204030204" pitchFamily="49" charset="0"/>
-              </a:rPr>
-              <a:t>);</a:t>
-            </a:r>
-          </a:p>
-          <a:p>
-            <a:r>
-              <a:rPr lang="nl-BE" sz="1400" dirty="0">
-                <a:solidFill>
-                  <a:srgbClr val="000000"/>
-                </a:solidFill>
-                <a:latin typeface="Consolas" panose="020B0609020204030204" pitchFamily="49" charset="0"/>
-              </a:rPr>
-              <a:t>}</a:t>
-            </a:r>
-          </a:p>
-          <a:p>
-            <a:r>
-              <a:rPr lang="nl-BE" sz="1400" dirty="0" err="1">
-                <a:solidFill>
-                  <a:srgbClr val="0000FF"/>
-                </a:solidFill>
-                <a:latin typeface="Consolas" panose="020B0609020204030204" pitchFamily="49" charset="0"/>
-              </a:rPr>
-              <a:t>else</a:t>
-            </a:r>
-            <a:endParaRPr lang="nl-BE" sz="1400" dirty="0">
-              <a:solidFill>
-                <a:srgbClr val="000000"/>
-              </a:solidFill>
-              <a:latin typeface="Consolas" panose="020B0609020204030204" pitchFamily="49" charset="0"/>
-            </a:endParaRPr>
-          </a:p>
-          <a:p>
-            <a:r>
-              <a:rPr lang="nl-BE" sz="1400" dirty="0">
-                <a:solidFill>
-                  <a:srgbClr val="000000"/>
-                </a:solidFill>
-                <a:latin typeface="Consolas" panose="020B0609020204030204" pitchFamily="49" charset="0"/>
-              </a:rPr>
-              <a:t>{</a:t>
-            </a:r>
-          </a:p>
-          <a:p>
-            <a:r>
-              <a:rPr lang="nl-BE" sz="1400" dirty="0">
-                <a:solidFill>
-                  <a:srgbClr val="000000"/>
-                </a:solidFill>
-                <a:latin typeface="Consolas" panose="020B0609020204030204" pitchFamily="49" charset="0"/>
-              </a:rPr>
-              <a:t>    </a:t>
-            </a:r>
-            <a:r>
-              <a:rPr lang="nl-BE" sz="1400" dirty="0" err="1">
-                <a:solidFill>
-                  <a:srgbClr val="000000"/>
-                </a:solidFill>
-                <a:latin typeface="Consolas" panose="020B0609020204030204" pitchFamily="49" charset="0"/>
-              </a:rPr>
-              <a:t>Console.WriteLine</a:t>
-            </a:r>
-            <a:r>
-              <a:rPr lang="nl-BE" sz="1400" dirty="0">
-                <a:solidFill>
-                  <a:srgbClr val="000000"/>
-                </a:solidFill>
-                <a:latin typeface="Consolas" panose="020B0609020204030204" pitchFamily="49" charset="0"/>
-              </a:rPr>
-              <a:t>(</a:t>
-            </a:r>
-            <a:r>
-              <a:rPr lang="nl-BE" sz="1400" dirty="0">
-                <a:solidFill>
-                  <a:srgbClr val="A31515"/>
-                </a:solidFill>
-                <a:latin typeface="Consolas" panose="020B0609020204030204" pitchFamily="49" charset="0"/>
-              </a:rPr>
-              <a:t>"</a:t>
-            </a:r>
-            <a:r>
-              <a:rPr lang="nl-BE" sz="1400" dirty="0" err="1">
-                <a:solidFill>
-                  <a:srgbClr val="A31515"/>
-                </a:solidFill>
-                <a:latin typeface="Consolas" panose="020B0609020204030204" pitchFamily="49" charset="0"/>
-              </a:rPr>
-              <a:t>Not</a:t>
-            </a:r>
-            <a:r>
-              <a:rPr lang="nl-BE" sz="1400" dirty="0">
-                <a:solidFill>
-                  <a:srgbClr val="A31515"/>
-                </a:solidFill>
-                <a:latin typeface="Consolas" panose="020B0609020204030204" pitchFamily="49" charset="0"/>
-              </a:rPr>
-              <a:t> found"</a:t>
-            </a:r>
-            <a:r>
-              <a:rPr lang="nl-BE" sz="1400" dirty="0">
-                <a:solidFill>
-                  <a:srgbClr val="000000"/>
-                </a:solidFill>
-                <a:latin typeface="Consolas" panose="020B0609020204030204" pitchFamily="49" charset="0"/>
-              </a:rPr>
-              <a:t>);</a:t>
-            </a:r>
-          </a:p>
-          <a:p>
-            <a:r>
-              <a:rPr lang="nl-BE" sz="1400" dirty="0">
-                <a:solidFill>
-                  <a:srgbClr val="000000"/>
-                </a:solidFill>
-                <a:latin typeface="Consolas" panose="020B0609020204030204" pitchFamily="49" charset="0"/>
-              </a:rPr>
-              <a:t>}</a:t>
-            </a:r>
-            <a:endParaRPr lang="nl-BE" sz="1400" dirty="0"/>
-          </a:p>
-        </p:txBody>
-      </p:sp>
+      </p:pic>
+      <p:pic>
+        <p:nvPicPr>
+          <p:cNvPr id="6" name="Afbeelding 5">
+            <a:extLst>
+              <a:ext uri="{FF2B5EF4-FFF2-40B4-BE49-F238E27FC236}">
+                <a16:creationId xmlns:a16="http://schemas.microsoft.com/office/drawing/2014/main" id="{D4F149E5-AE1C-49E8-A64A-5AD273876B26}"/>
+              </a:ext>
+            </a:extLst>
+          </p:cNvPr>
+          <p:cNvPicPr>
+            <a:picLocks noChangeAspect="1"/>
+          </p:cNvPicPr>
+          <p:nvPr/>
+        </p:nvPicPr>
+        <p:blipFill>
+          <a:blip r:embed="rId4"/>
+          <a:stretch>
+            <a:fillRect/>
+          </a:stretch>
+        </p:blipFill>
+        <p:spPr>
+          <a:xfrm>
+            <a:off x="838200" y="2197154"/>
+            <a:ext cx="4837084" cy="654559"/>
+          </a:xfrm>
+          <a:prstGeom prst="rect">
+            <a:avLst/>
+          </a:prstGeom>
+        </p:spPr>
+      </p:pic>
     </p:spTree>
     <p:extLst>
       <p:ext uri="{BB962C8B-B14F-4D97-AF65-F5344CB8AC3E}">
-        <p14:creationId xmlns:p14="http://schemas.microsoft.com/office/powerpoint/2010/main" val="3205280493"/>
+        <p14:creationId xmlns:p14="http://schemas.microsoft.com/office/powerpoint/2010/main" val="2261572347"/>
       </p:ext>
     </p:extLst>
   </p:cSld>
   <p:clrMapOvr>
     <a:masterClrMapping/>
   </p:clrMapOvr>
-</p:sld>
-</file>
-
-<file path=ppt/slides/slide15.xml><?xml version="1.0" encoding="utf-8"?>
-<p:sld xmlns:a="http://schemas.openxmlformats.org/drawingml/2006/main" xmlns:r="http://schemas.openxmlformats.org/officeDocument/2006/relationships" xmlns:p="http://schemas.openxmlformats.org/presentationml/2006/main">
-  <p:cSld>
-    <p:bg>
-      <p:bgPr>
-        <a:solidFill>
-          <a:schemeClr val="bg1"/>
-        </a:solidFill>
-        <a:effectLst/>
-      </p:bgPr>
-    </p:bg>
-    <p:spTree>
-      <p:nvGrpSpPr>
-        <p:cNvPr id="1" name=""/>
-        <p:cNvGrpSpPr/>
-        <p:nvPr/>
-      </p:nvGrpSpPr>
-      <p:grpSpPr>
-        <a:xfrm>
-          <a:off x="0" y="0"/>
-          <a:ext cx="0" cy="0"/>
-          <a:chOff x="0" y="0"/>
-          <a:chExt cx="0" cy="0"/>
-        </a:xfrm>
-      </p:grpSpPr>
-      <p:sp>
-        <p:nvSpPr>
-          <p:cNvPr id="20484" name="Rectangle 2"/>
-          <p:cNvSpPr>
-            <a:spLocks noGrp="1" noChangeArrowheads="1"/>
-          </p:cNvSpPr>
-          <p:nvPr>
-            <p:ph type="title"/>
-          </p:nvPr>
-        </p:nvSpPr>
-        <p:spPr>
-          <a:xfrm>
-            <a:off x="1179226" y="826680"/>
-            <a:ext cx="9833548" cy="1325563"/>
-          </a:xfrm>
-        </p:spPr>
-        <p:txBody>
-          <a:bodyPr>
-            <a:normAutofit/>
-          </a:bodyPr>
-          <a:lstStyle/>
-          <a:p>
-            <a:pPr algn="ctr" eaLnBrk="1" hangingPunct="1"/>
-            <a:r>
-              <a:rPr lang="en-US" sz="4000">
-                <a:solidFill>
-                  <a:srgbClr val="FFFFFF"/>
-                </a:solidFill>
-              </a:rPr>
-              <a:t>Using a </a:t>
-            </a:r>
-            <a:r>
-              <a:rPr lang="en-US" sz="4000">
-                <a:solidFill>
-                  <a:srgbClr val="FFFFFF"/>
-                </a:solidFill>
-                <a:latin typeface="Courier New" pitchFamily="1" charset="0"/>
-              </a:rPr>
-              <a:t>while</a:t>
-            </a:r>
-            <a:r>
-              <a:rPr lang="en-US" sz="4000">
-                <a:solidFill>
-                  <a:srgbClr val="FFFFFF"/>
-                </a:solidFill>
-              </a:rPr>
-              <a:t> Loop to Search an Array</a:t>
-            </a:r>
-          </a:p>
-        </p:txBody>
-      </p:sp>
-      <p:sp>
-        <p:nvSpPr>
-          <p:cNvPr id="20485" name="Rectangle 3"/>
-          <p:cNvSpPr>
-            <a:spLocks noGrp="1" noChangeArrowheads="1"/>
-          </p:cNvSpPr>
-          <p:nvPr>
-            <p:ph idx="1"/>
-          </p:nvPr>
-        </p:nvSpPr>
-        <p:spPr>
-          <a:xfrm>
-            <a:off x="1179226" y="3092970"/>
-            <a:ext cx="9833548" cy="2693976"/>
-          </a:xfrm>
-        </p:spPr>
-        <p:txBody>
-          <a:bodyPr>
-            <a:normAutofit/>
-          </a:bodyPr>
-          <a:lstStyle/>
-          <a:p>
-            <a:pPr eaLnBrk="1" hangingPunct="1"/>
-            <a:r>
-              <a:rPr lang="en-US" sz="2000">
-                <a:solidFill>
-                  <a:srgbClr val="000000"/>
-                </a:solidFill>
-              </a:rPr>
-              <a:t>Use a </a:t>
-            </a:r>
-            <a:r>
-              <a:rPr lang="en-US" sz="2000">
-                <a:solidFill>
-                  <a:srgbClr val="000000"/>
-                </a:solidFill>
-                <a:latin typeface="Courier New" pitchFamily="1" charset="0"/>
-              </a:rPr>
-              <a:t>while</a:t>
-            </a:r>
-            <a:r>
-              <a:rPr lang="en-US" sz="2000">
-                <a:solidFill>
-                  <a:srgbClr val="000000"/>
-                </a:solidFill>
-              </a:rPr>
-              <a:t> loop to search for a match</a:t>
-            </a:r>
-          </a:p>
-          <a:p>
-            <a:pPr eaLnBrk="1" hangingPunct="1"/>
-            <a:endParaRPr lang="en-US" sz="2000">
-              <a:solidFill>
-                <a:srgbClr val="000000"/>
-              </a:solidFill>
-            </a:endParaRPr>
-          </a:p>
-          <a:p>
-            <a:pPr eaLnBrk="1" hangingPunct="1"/>
-            <a:endParaRPr lang="en-US" sz="2000">
-              <a:solidFill>
-                <a:srgbClr val="000000"/>
-              </a:solidFill>
-            </a:endParaRPr>
-          </a:p>
-          <a:p>
-            <a:pPr eaLnBrk="1" hangingPunct="1"/>
-            <a:r>
-              <a:rPr lang="en-US" sz="2000">
-                <a:solidFill>
-                  <a:srgbClr val="000000"/>
-                </a:solidFill>
-              </a:rPr>
-              <a:t>Question: why use a while instead of a for?</a:t>
-            </a:r>
-          </a:p>
-        </p:txBody>
-      </p:sp>
-    </p:spTree>
-    <p:extLst>
-      <p:ext uri="{BB962C8B-B14F-4D97-AF65-F5344CB8AC3E}">
-        <p14:creationId xmlns:p14="http://schemas.microsoft.com/office/powerpoint/2010/main" val="3302859896"/>
-      </p:ext>
-    </p:extLst>
-  </p:cSld>
-  <p:clrMapOvr>
-    <a:masterClrMapping/>
-  </p:clrMapOvr>
-</p:sld>
-</file>
-
-<file path=ppt/slides/slide16.xml><?xml version="1.0" encoding="utf-8"?>
-<p:sld xmlns:a="http://schemas.openxmlformats.org/drawingml/2006/main" xmlns:r="http://schemas.openxmlformats.org/officeDocument/2006/relationships" xmlns:p="http://schemas.openxmlformats.org/presentationml/2006/main">
-  <p:cSld>
-    <p:spTree>
-      <p:nvGrpSpPr>
-        <p:cNvPr id="1" name=""/>
-        <p:cNvGrpSpPr/>
-        <p:nvPr/>
-      </p:nvGrpSpPr>
-      <p:grpSpPr>
-        <a:xfrm>
-          <a:off x="0" y="0"/>
-          <a:ext cx="0" cy="0"/>
-          <a:chOff x="0" y="0"/>
-          <a:chExt cx="0" cy="0"/>
-        </a:xfrm>
-      </p:grpSpPr>
-      <p:sp>
-        <p:nvSpPr>
-          <p:cNvPr id="5" name="Rechthoek 4">
-            <a:extLst>
-              <a:ext uri="{FF2B5EF4-FFF2-40B4-BE49-F238E27FC236}">
-                <a16:creationId xmlns:a16="http://schemas.microsoft.com/office/drawing/2014/main" id="{0F9AFBD0-ADD9-4ADF-9BCB-3A04417FC1C3}"/>
-              </a:ext>
-            </a:extLst>
-          </p:cNvPr>
-          <p:cNvSpPr/>
-          <p:nvPr/>
-        </p:nvSpPr>
-        <p:spPr>
-          <a:xfrm>
-            <a:off x="223630" y="2161762"/>
-            <a:ext cx="7290353" cy="1908314"/>
-          </a:xfrm>
-          <a:prstGeom prst="rect">
-            <a:avLst/>
-          </a:prstGeom>
-        </p:spPr>
-        <p:style>
-          <a:lnRef idx="2">
-            <a:schemeClr val="accent4">
-              <a:shade val="50000"/>
-            </a:schemeClr>
-          </a:lnRef>
-          <a:fillRef idx="1">
-            <a:schemeClr val="accent4"/>
-          </a:fillRef>
-          <a:effectRef idx="0">
-            <a:schemeClr val="accent4"/>
-          </a:effectRef>
-          <a:fontRef idx="minor">
-            <a:schemeClr val="lt1"/>
-          </a:fontRef>
-        </p:style>
-        <p:txBody>
-          <a:bodyPr rtlCol="0" anchor="ctr"/>
-          <a:lstStyle/>
-          <a:p>
-            <a:pPr algn="ctr"/>
-            <a:endParaRPr lang="nl-BE"/>
-          </a:p>
-        </p:txBody>
-      </p:sp>
-      <p:sp>
-        <p:nvSpPr>
-          <p:cNvPr id="2" name="Titel 1">
-            <a:extLst>
-              <a:ext uri="{FF2B5EF4-FFF2-40B4-BE49-F238E27FC236}">
-                <a16:creationId xmlns:a16="http://schemas.microsoft.com/office/drawing/2014/main" id="{604B1237-BDB7-47AE-8A64-BEB0F4295324}"/>
-              </a:ext>
-            </a:extLst>
-          </p:cNvPr>
-          <p:cNvSpPr>
-            <a:spLocks noGrp="1"/>
-          </p:cNvSpPr>
-          <p:nvPr>
-            <p:ph type="title"/>
-          </p:nvPr>
-        </p:nvSpPr>
-        <p:spPr/>
-        <p:txBody>
-          <a:bodyPr/>
-          <a:lstStyle/>
-          <a:p>
-            <a:r>
-              <a:rPr lang="en-US" dirty="0"/>
-              <a:t>Using a </a:t>
-            </a:r>
-            <a:r>
-              <a:rPr lang="en-US" dirty="0">
-                <a:latin typeface="Courier New" pitchFamily="1" charset="0"/>
-              </a:rPr>
-              <a:t>for</a:t>
-            </a:r>
-            <a:r>
-              <a:rPr lang="en-US" dirty="0"/>
-              <a:t> Loop to Search an Array</a:t>
-            </a:r>
-            <a:endParaRPr lang="nl-BE" dirty="0"/>
-          </a:p>
-        </p:txBody>
-      </p:sp>
-      <p:sp>
-        <p:nvSpPr>
-          <p:cNvPr id="4" name="Rechthoek 3">
-            <a:extLst>
-              <a:ext uri="{FF2B5EF4-FFF2-40B4-BE49-F238E27FC236}">
-                <a16:creationId xmlns:a16="http://schemas.microsoft.com/office/drawing/2014/main" id="{DF73220B-336A-4FA4-AEB3-92BCF490AF5B}"/>
-              </a:ext>
-            </a:extLst>
-          </p:cNvPr>
-          <p:cNvSpPr/>
-          <p:nvPr/>
-        </p:nvSpPr>
-        <p:spPr>
-          <a:xfrm>
-            <a:off x="374374" y="1410355"/>
-            <a:ext cx="8550965" cy="5447645"/>
-          </a:xfrm>
-          <a:prstGeom prst="rect">
-            <a:avLst/>
-          </a:prstGeom>
-        </p:spPr>
-        <p:txBody>
-          <a:bodyPr wrap="square">
-            <a:spAutoFit/>
-          </a:bodyPr>
-          <a:lstStyle/>
-          <a:p>
-            <a:r>
-              <a:rPr lang="en-US" sz="1200" dirty="0">
-                <a:solidFill>
-                  <a:srgbClr val="0000FF"/>
-                </a:solidFill>
-                <a:latin typeface="Consolas" panose="020B0609020204030204" pitchFamily="49" charset="0"/>
-              </a:rPr>
-              <a:t>string</a:t>
-            </a:r>
-            <a:r>
-              <a:rPr lang="en-US" sz="1200" dirty="0">
-                <a:solidFill>
-                  <a:srgbClr val="000000"/>
-                </a:solidFill>
-                <a:latin typeface="Consolas" panose="020B0609020204030204" pitchFamily="49" charset="0"/>
-              </a:rPr>
-              <a:t>[] products = { </a:t>
-            </a:r>
-            <a:r>
-              <a:rPr lang="en-US" sz="1200" dirty="0">
-                <a:solidFill>
-                  <a:srgbClr val="A31515"/>
-                </a:solidFill>
-                <a:latin typeface="Consolas" panose="020B0609020204030204" pitchFamily="49" charset="0"/>
-              </a:rPr>
-              <a:t>"apples"</a:t>
-            </a:r>
-            <a:r>
-              <a:rPr lang="en-US" sz="1200" dirty="0">
-                <a:solidFill>
-                  <a:srgbClr val="000000"/>
-                </a:solidFill>
-                <a:latin typeface="Consolas" panose="020B0609020204030204" pitchFamily="49" charset="0"/>
-              </a:rPr>
-              <a:t>, </a:t>
-            </a:r>
-            <a:r>
-              <a:rPr lang="en-US" sz="1200" dirty="0">
-                <a:solidFill>
-                  <a:srgbClr val="A31515"/>
-                </a:solidFill>
-                <a:latin typeface="Consolas" panose="020B0609020204030204" pitchFamily="49" charset="0"/>
-              </a:rPr>
-              <a:t>"pears"</a:t>
-            </a:r>
-            <a:r>
-              <a:rPr lang="en-US" sz="1200" dirty="0">
-                <a:solidFill>
-                  <a:srgbClr val="000000"/>
-                </a:solidFill>
-                <a:latin typeface="Consolas" panose="020B0609020204030204" pitchFamily="49" charset="0"/>
-              </a:rPr>
-              <a:t>, </a:t>
-            </a:r>
-            <a:r>
-              <a:rPr lang="en-US" sz="1200" dirty="0">
-                <a:solidFill>
-                  <a:srgbClr val="A31515"/>
-                </a:solidFill>
-                <a:latin typeface="Consolas" panose="020B0609020204030204" pitchFamily="49" charset="0"/>
-              </a:rPr>
-              <a:t>"melons"</a:t>
-            </a:r>
-            <a:r>
-              <a:rPr lang="en-US" sz="1200" dirty="0">
-                <a:solidFill>
-                  <a:srgbClr val="000000"/>
-                </a:solidFill>
-                <a:latin typeface="Consolas" panose="020B0609020204030204" pitchFamily="49" charset="0"/>
-              </a:rPr>
-              <a:t> };</a:t>
-            </a:r>
-          </a:p>
-          <a:p>
-            <a:r>
-              <a:rPr lang="fr-FR" sz="1200" dirty="0">
-                <a:solidFill>
-                  <a:srgbClr val="0000FF"/>
-                </a:solidFill>
-                <a:latin typeface="Consolas" panose="020B0609020204030204" pitchFamily="49" charset="0"/>
-              </a:rPr>
-              <a:t>double</a:t>
-            </a:r>
-            <a:r>
-              <a:rPr lang="fr-FR" sz="1200" dirty="0">
-                <a:solidFill>
-                  <a:srgbClr val="000000"/>
-                </a:solidFill>
-                <a:latin typeface="Consolas" panose="020B0609020204030204" pitchFamily="49" charset="0"/>
-              </a:rPr>
-              <a:t>[] </a:t>
-            </a:r>
-            <a:r>
-              <a:rPr lang="fr-FR" sz="1200" dirty="0" err="1">
-                <a:solidFill>
-                  <a:srgbClr val="000000"/>
-                </a:solidFill>
-                <a:latin typeface="Consolas" panose="020B0609020204030204" pitchFamily="49" charset="0"/>
-              </a:rPr>
-              <a:t>prices</a:t>
-            </a:r>
-            <a:r>
-              <a:rPr lang="fr-FR" sz="1200" dirty="0">
-                <a:solidFill>
-                  <a:srgbClr val="000000"/>
-                </a:solidFill>
-                <a:latin typeface="Consolas" panose="020B0609020204030204" pitchFamily="49" charset="0"/>
-              </a:rPr>
-              <a:t> = { 3.3, 6.2, 2.9 };</a:t>
-            </a:r>
-          </a:p>
-          <a:p>
-            <a:endParaRPr lang="nl-BE" sz="1200" dirty="0">
-              <a:solidFill>
-                <a:srgbClr val="000000"/>
-              </a:solidFill>
-              <a:latin typeface="Consolas" panose="020B0609020204030204" pitchFamily="49" charset="0"/>
-            </a:endParaRPr>
-          </a:p>
-          <a:p>
-            <a:r>
-              <a:rPr lang="en-US" sz="1200" dirty="0" err="1">
-                <a:solidFill>
-                  <a:srgbClr val="000000"/>
-                </a:solidFill>
-                <a:latin typeface="Consolas" panose="020B0609020204030204" pitchFamily="49" charset="0"/>
-              </a:rPr>
-              <a:t>Console.WriteLine</a:t>
-            </a:r>
-            <a:r>
-              <a:rPr lang="en-US" sz="1200" dirty="0">
-                <a:solidFill>
-                  <a:srgbClr val="000000"/>
-                </a:solidFill>
-                <a:latin typeface="Consolas" panose="020B0609020204030204" pitchFamily="49" charset="0"/>
-              </a:rPr>
-              <a:t>(</a:t>
-            </a:r>
-            <a:r>
-              <a:rPr lang="en-US" sz="1200" dirty="0">
-                <a:solidFill>
-                  <a:srgbClr val="A31515"/>
-                </a:solidFill>
-                <a:latin typeface="Consolas" panose="020B0609020204030204" pitchFamily="49" charset="0"/>
-              </a:rPr>
-              <a:t>"Which price do you need?"</a:t>
-            </a:r>
-            <a:r>
-              <a:rPr lang="en-US" sz="1200" dirty="0">
-                <a:solidFill>
-                  <a:srgbClr val="000000"/>
-                </a:solidFill>
-                <a:latin typeface="Consolas" panose="020B0609020204030204" pitchFamily="49" charset="0"/>
-              </a:rPr>
-              <a:t>);</a:t>
-            </a:r>
-          </a:p>
-          <a:p>
-            <a:r>
-              <a:rPr lang="nl-BE" sz="1200" dirty="0">
-                <a:solidFill>
-                  <a:srgbClr val="0000FF"/>
-                </a:solidFill>
-                <a:latin typeface="Consolas" panose="020B0609020204030204" pitchFamily="49" charset="0"/>
-              </a:rPr>
-              <a:t>string</a:t>
-            </a:r>
-            <a:r>
-              <a:rPr lang="nl-BE" sz="1200" dirty="0">
-                <a:solidFill>
-                  <a:srgbClr val="000000"/>
-                </a:solidFill>
-                <a:latin typeface="Consolas" panose="020B0609020204030204" pitchFamily="49" charset="0"/>
-              </a:rPr>
-              <a:t> </a:t>
-            </a:r>
-            <a:r>
-              <a:rPr lang="nl-BE" sz="1200" dirty="0" err="1">
-                <a:solidFill>
-                  <a:srgbClr val="000000"/>
-                </a:solidFill>
-                <a:latin typeface="Consolas" panose="020B0609020204030204" pitchFamily="49" charset="0"/>
-              </a:rPr>
-              <a:t>userchoice</a:t>
-            </a:r>
-            <a:r>
-              <a:rPr lang="nl-BE" sz="1200" dirty="0">
-                <a:solidFill>
-                  <a:srgbClr val="000000"/>
-                </a:solidFill>
-                <a:latin typeface="Consolas" panose="020B0609020204030204" pitchFamily="49" charset="0"/>
-              </a:rPr>
-              <a:t> = </a:t>
-            </a:r>
-            <a:r>
-              <a:rPr lang="nl-BE" sz="1200" dirty="0" err="1">
-                <a:solidFill>
-                  <a:srgbClr val="000000"/>
-                </a:solidFill>
-                <a:latin typeface="Consolas" panose="020B0609020204030204" pitchFamily="49" charset="0"/>
-              </a:rPr>
-              <a:t>Console.ReadLine</a:t>
-            </a:r>
-            <a:r>
-              <a:rPr lang="nl-BE" sz="1200" dirty="0">
-                <a:solidFill>
-                  <a:srgbClr val="000000"/>
-                </a:solidFill>
-                <a:latin typeface="Consolas" panose="020B0609020204030204" pitchFamily="49" charset="0"/>
-              </a:rPr>
-              <a:t>();</a:t>
-            </a:r>
-          </a:p>
-          <a:p>
-            <a:endParaRPr lang="nl-BE" sz="1200" dirty="0">
-              <a:solidFill>
-                <a:srgbClr val="000000"/>
-              </a:solidFill>
-              <a:latin typeface="Consolas" panose="020B0609020204030204" pitchFamily="49" charset="0"/>
-            </a:endParaRPr>
-          </a:p>
-          <a:p>
-            <a:r>
-              <a:rPr lang="nl-BE" sz="1200" dirty="0" err="1">
-                <a:solidFill>
-                  <a:srgbClr val="0000FF"/>
-                </a:solidFill>
-                <a:latin typeface="Consolas" panose="020B0609020204030204" pitchFamily="49" charset="0"/>
-              </a:rPr>
-              <a:t>bool</a:t>
-            </a:r>
-            <a:r>
-              <a:rPr lang="nl-BE" sz="1200" dirty="0">
-                <a:solidFill>
-                  <a:srgbClr val="000000"/>
-                </a:solidFill>
-                <a:latin typeface="Consolas" panose="020B0609020204030204" pitchFamily="49" charset="0"/>
-              </a:rPr>
-              <a:t> found = </a:t>
-            </a:r>
-            <a:r>
-              <a:rPr lang="nl-BE" sz="1200" dirty="0" err="1">
-                <a:solidFill>
-                  <a:srgbClr val="0000FF"/>
-                </a:solidFill>
-                <a:latin typeface="Consolas" panose="020B0609020204030204" pitchFamily="49" charset="0"/>
-              </a:rPr>
-              <a:t>false</a:t>
-            </a:r>
-            <a:r>
-              <a:rPr lang="nl-BE" sz="1200" dirty="0">
-                <a:solidFill>
-                  <a:srgbClr val="000000"/>
-                </a:solidFill>
-                <a:latin typeface="Consolas" panose="020B0609020204030204" pitchFamily="49" charset="0"/>
-              </a:rPr>
-              <a:t>;</a:t>
-            </a:r>
-          </a:p>
-          <a:p>
-            <a:r>
-              <a:rPr lang="nl-BE" sz="1200" dirty="0">
-                <a:solidFill>
-                  <a:srgbClr val="0000FF"/>
-                </a:solidFill>
-                <a:latin typeface="Consolas" panose="020B0609020204030204" pitchFamily="49" charset="0"/>
-              </a:rPr>
-              <a:t>int</a:t>
-            </a:r>
-            <a:r>
-              <a:rPr lang="nl-BE" sz="1200" dirty="0">
-                <a:solidFill>
-                  <a:srgbClr val="000000"/>
-                </a:solidFill>
-                <a:latin typeface="Consolas" panose="020B0609020204030204" pitchFamily="49" charset="0"/>
-              </a:rPr>
-              <a:t> </a:t>
-            </a:r>
-            <a:r>
-              <a:rPr lang="nl-BE" sz="1200" dirty="0" err="1">
-                <a:solidFill>
-                  <a:srgbClr val="000000"/>
-                </a:solidFill>
-                <a:latin typeface="Consolas" panose="020B0609020204030204" pitchFamily="49" charset="0"/>
-              </a:rPr>
-              <a:t>productIndex</a:t>
-            </a:r>
-            <a:r>
-              <a:rPr lang="nl-BE" sz="1200" dirty="0">
-                <a:solidFill>
-                  <a:srgbClr val="000000"/>
-                </a:solidFill>
-                <a:latin typeface="Consolas" panose="020B0609020204030204" pitchFamily="49" charset="0"/>
-              </a:rPr>
-              <a:t> = -1;</a:t>
-            </a:r>
-          </a:p>
-          <a:p>
-            <a:endParaRPr lang="nl-BE" sz="1200" dirty="0">
-              <a:solidFill>
-                <a:srgbClr val="000000"/>
-              </a:solidFill>
-              <a:latin typeface="Consolas" panose="020B0609020204030204" pitchFamily="49" charset="0"/>
-            </a:endParaRPr>
-          </a:p>
-          <a:p>
-            <a:r>
-              <a:rPr lang="nl-BE" sz="1200" dirty="0">
-                <a:solidFill>
-                  <a:srgbClr val="0000FF"/>
-                </a:solidFill>
-                <a:latin typeface="Consolas" panose="020B0609020204030204" pitchFamily="49" charset="0"/>
-              </a:rPr>
-              <a:t>int</a:t>
-            </a:r>
-            <a:r>
-              <a:rPr lang="nl-BE" sz="1200" dirty="0">
-                <a:solidFill>
-                  <a:srgbClr val="000000"/>
-                </a:solidFill>
-                <a:latin typeface="Consolas" panose="020B0609020204030204" pitchFamily="49" charset="0"/>
-              </a:rPr>
-              <a:t> counter = 0;</a:t>
-            </a:r>
-          </a:p>
-          <a:p>
-            <a:r>
-              <a:rPr lang="en-US" sz="1200" dirty="0">
-                <a:solidFill>
-                  <a:srgbClr val="0000FF"/>
-                </a:solidFill>
-                <a:latin typeface="Consolas" panose="020B0609020204030204" pitchFamily="49" charset="0"/>
-              </a:rPr>
-              <a:t>while</a:t>
-            </a:r>
-            <a:r>
-              <a:rPr lang="en-US" sz="1200" dirty="0">
-                <a:solidFill>
-                  <a:srgbClr val="000000"/>
-                </a:solidFill>
-                <a:latin typeface="Consolas" panose="020B0609020204030204" pitchFamily="49" charset="0"/>
-              </a:rPr>
-              <a:t> (counter &lt; </a:t>
-            </a:r>
-            <a:r>
-              <a:rPr lang="en-US" sz="1200" dirty="0" err="1">
-                <a:solidFill>
-                  <a:srgbClr val="000000"/>
-                </a:solidFill>
-                <a:latin typeface="Consolas" panose="020B0609020204030204" pitchFamily="49" charset="0"/>
-              </a:rPr>
-              <a:t>products.Length</a:t>
-            </a:r>
-            <a:r>
-              <a:rPr lang="en-US" sz="1200" dirty="0">
-                <a:solidFill>
-                  <a:srgbClr val="000000"/>
-                </a:solidFill>
-                <a:latin typeface="Consolas" panose="020B0609020204030204" pitchFamily="49" charset="0"/>
-              </a:rPr>
-              <a:t> &amp;&amp; </a:t>
-            </a:r>
-            <a:r>
-              <a:rPr lang="en-US" sz="1200" dirty="0" err="1">
-                <a:solidFill>
-                  <a:srgbClr val="000000"/>
-                </a:solidFill>
-                <a:latin typeface="Consolas" panose="020B0609020204030204" pitchFamily="49" charset="0"/>
-              </a:rPr>
-              <a:t>userchoice</a:t>
-            </a:r>
-            <a:r>
-              <a:rPr lang="en-US" sz="1200" dirty="0">
-                <a:solidFill>
-                  <a:srgbClr val="000000"/>
-                </a:solidFill>
-                <a:latin typeface="Consolas" panose="020B0609020204030204" pitchFamily="49" charset="0"/>
-              </a:rPr>
-              <a:t> != products[counter])</a:t>
-            </a:r>
-          </a:p>
-          <a:p>
-            <a:r>
-              <a:rPr lang="nl-BE" sz="1200" dirty="0">
-                <a:solidFill>
-                  <a:srgbClr val="000000"/>
-                </a:solidFill>
-                <a:latin typeface="Consolas" panose="020B0609020204030204" pitchFamily="49" charset="0"/>
-              </a:rPr>
-              <a:t>{</a:t>
-            </a:r>
-          </a:p>
-          <a:p>
-            <a:r>
-              <a:rPr lang="nl-BE" sz="1200" dirty="0">
-                <a:solidFill>
-                  <a:srgbClr val="000000"/>
-                </a:solidFill>
-                <a:latin typeface="Consolas" panose="020B0609020204030204" pitchFamily="49" charset="0"/>
-              </a:rPr>
-              <a:t>    counter++;</a:t>
-            </a:r>
-          </a:p>
-          <a:p>
-            <a:r>
-              <a:rPr lang="nl-BE" sz="1200" dirty="0">
-                <a:solidFill>
-                  <a:srgbClr val="000000"/>
-                </a:solidFill>
-                <a:latin typeface="Consolas" panose="020B0609020204030204" pitchFamily="49" charset="0"/>
-              </a:rPr>
-              <a:t>}</a:t>
-            </a:r>
-          </a:p>
-          <a:p>
-            <a:endParaRPr lang="nl-BE" sz="1200" dirty="0">
-              <a:solidFill>
-                <a:srgbClr val="000000"/>
-              </a:solidFill>
-              <a:latin typeface="Consolas" panose="020B0609020204030204" pitchFamily="49" charset="0"/>
-            </a:endParaRPr>
-          </a:p>
-          <a:p>
-            <a:r>
-              <a:rPr lang="en-US" sz="1200" dirty="0">
-                <a:solidFill>
-                  <a:srgbClr val="0000FF"/>
-                </a:solidFill>
-                <a:latin typeface="Consolas" panose="020B0609020204030204" pitchFamily="49" charset="0"/>
-              </a:rPr>
-              <a:t>if</a:t>
-            </a:r>
-            <a:r>
-              <a:rPr lang="en-US" sz="1200" dirty="0">
-                <a:solidFill>
-                  <a:srgbClr val="000000"/>
-                </a:solidFill>
-                <a:latin typeface="Consolas" panose="020B0609020204030204" pitchFamily="49" charset="0"/>
-              </a:rPr>
-              <a:t> (counter != </a:t>
-            </a:r>
-            <a:r>
-              <a:rPr lang="en-US" sz="1200" dirty="0" err="1">
-                <a:solidFill>
-                  <a:srgbClr val="000000"/>
-                </a:solidFill>
-                <a:latin typeface="Consolas" panose="020B0609020204030204" pitchFamily="49" charset="0"/>
-              </a:rPr>
-              <a:t>products.Length</a:t>
-            </a:r>
-            <a:r>
-              <a:rPr lang="en-US" sz="1200" dirty="0">
-                <a:solidFill>
-                  <a:srgbClr val="000000"/>
-                </a:solidFill>
-                <a:latin typeface="Consolas" panose="020B0609020204030204" pitchFamily="49" charset="0"/>
-              </a:rPr>
-              <a:t>)</a:t>
-            </a:r>
-            <a:r>
-              <a:rPr lang="en-US" sz="1200" dirty="0">
-                <a:solidFill>
-                  <a:srgbClr val="008000"/>
-                </a:solidFill>
-                <a:latin typeface="Consolas" panose="020B0609020204030204" pitchFamily="49" charset="0"/>
-              </a:rPr>
-              <a:t>//product found!</a:t>
-            </a:r>
-            <a:endParaRPr lang="en-US" sz="1200" dirty="0">
-              <a:solidFill>
-                <a:srgbClr val="000000"/>
-              </a:solidFill>
-              <a:latin typeface="Consolas" panose="020B0609020204030204" pitchFamily="49" charset="0"/>
-            </a:endParaRPr>
-          </a:p>
-          <a:p>
-            <a:r>
-              <a:rPr lang="nl-BE" sz="1200" dirty="0">
-                <a:solidFill>
-                  <a:srgbClr val="000000"/>
-                </a:solidFill>
-                <a:latin typeface="Consolas" panose="020B0609020204030204" pitchFamily="49" charset="0"/>
-              </a:rPr>
-              <a:t>{</a:t>
-            </a:r>
-          </a:p>
-          <a:p>
-            <a:r>
-              <a:rPr lang="nl-BE" sz="1200" dirty="0">
-                <a:solidFill>
-                  <a:srgbClr val="000000"/>
-                </a:solidFill>
-                <a:latin typeface="Consolas" panose="020B0609020204030204" pitchFamily="49" charset="0"/>
-              </a:rPr>
-              <a:t>    found = </a:t>
-            </a:r>
-            <a:r>
-              <a:rPr lang="nl-BE" sz="1200" dirty="0" err="1">
-                <a:solidFill>
-                  <a:srgbClr val="0000FF"/>
-                </a:solidFill>
-                <a:latin typeface="Consolas" panose="020B0609020204030204" pitchFamily="49" charset="0"/>
-              </a:rPr>
-              <a:t>true</a:t>
-            </a:r>
-            <a:r>
-              <a:rPr lang="nl-BE" sz="1200" dirty="0">
-                <a:solidFill>
-                  <a:srgbClr val="000000"/>
-                </a:solidFill>
-                <a:latin typeface="Consolas" panose="020B0609020204030204" pitchFamily="49" charset="0"/>
-              </a:rPr>
-              <a:t>;</a:t>
-            </a:r>
-          </a:p>
-          <a:p>
-            <a:r>
-              <a:rPr lang="nl-BE" sz="1200" dirty="0">
-                <a:solidFill>
-                  <a:srgbClr val="000000"/>
-                </a:solidFill>
-                <a:latin typeface="Consolas" panose="020B0609020204030204" pitchFamily="49" charset="0"/>
-              </a:rPr>
-              <a:t>    </a:t>
-            </a:r>
-            <a:r>
-              <a:rPr lang="nl-BE" sz="1200" dirty="0" err="1">
-                <a:solidFill>
-                  <a:srgbClr val="000000"/>
-                </a:solidFill>
-                <a:latin typeface="Consolas" panose="020B0609020204030204" pitchFamily="49" charset="0"/>
-              </a:rPr>
-              <a:t>productIndex</a:t>
-            </a:r>
-            <a:r>
-              <a:rPr lang="nl-BE" sz="1200" dirty="0">
-                <a:solidFill>
-                  <a:srgbClr val="000000"/>
-                </a:solidFill>
-                <a:latin typeface="Consolas" panose="020B0609020204030204" pitchFamily="49" charset="0"/>
-              </a:rPr>
-              <a:t> = counter;</a:t>
-            </a:r>
-          </a:p>
-          <a:p>
-            <a:r>
-              <a:rPr lang="nl-BE" sz="1200" dirty="0">
-                <a:solidFill>
-                  <a:srgbClr val="000000"/>
-                </a:solidFill>
-                <a:latin typeface="Consolas" panose="020B0609020204030204" pitchFamily="49" charset="0"/>
-              </a:rPr>
-              <a:t>}</a:t>
-            </a:r>
-          </a:p>
-          <a:p>
-            <a:endParaRPr lang="nl-BE" sz="1200" dirty="0">
-              <a:solidFill>
-                <a:srgbClr val="000000"/>
-              </a:solidFill>
-              <a:latin typeface="Consolas" panose="020B0609020204030204" pitchFamily="49" charset="0"/>
-            </a:endParaRPr>
-          </a:p>
-          <a:p>
-            <a:r>
-              <a:rPr lang="nl-BE" sz="1200" dirty="0" err="1">
-                <a:solidFill>
-                  <a:srgbClr val="0000FF"/>
-                </a:solidFill>
-                <a:latin typeface="Consolas" panose="020B0609020204030204" pitchFamily="49" charset="0"/>
-              </a:rPr>
-              <a:t>if</a:t>
-            </a:r>
-            <a:r>
-              <a:rPr lang="nl-BE" sz="1200" dirty="0">
-                <a:solidFill>
-                  <a:srgbClr val="000000"/>
-                </a:solidFill>
-                <a:latin typeface="Consolas" panose="020B0609020204030204" pitchFamily="49" charset="0"/>
-              </a:rPr>
-              <a:t> (found == </a:t>
-            </a:r>
-            <a:r>
-              <a:rPr lang="nl-BE" sz="1200" dirty="0" err="1">
-                <a:solidFill>
-                  <a:srgbClr val="0000FF"/>
-                </a:solidFill>
-                <a:latin typeface="Consolas" panose="020B0609020204030204" pitchFamily="49" charset="0"/>
-              </a:rPr>
-              <a:t>true</a:t>
-            </a:r>
-            <a:r>
-              <a:rPr lang="nl-BE" sz="1200" dirty="0">
-                <a:solidFill>
-                  <a:srgbClr val="000000"/>
-                </a:solidFill>
-                <a:latin typeface="Consolas" panose="020B0609020204030204" pitchFamily="49" charset="0"/>
-              </a:rPr>
-              <a:t>)</a:t>
-            </a:r>
-          </a:p>
-          <a:p>
-            <a:r>
-              <a:rPr lang="nl-BE" sz="1200" dirty="0">
-                <a:solidFill>
-                  <a:srgbClr val="000000"/>
-                </a:solidFill>
-                <a:latin typeface="Consolas" panose="020B0609020204030204" pitchFamily="49" charset="0"/>
-              </a:rPr>
-              <a:t>{</a:t>
-            </a:r>
-          </a:p>
-          <a:p>
-            <a:r>
-              <a:rPr lang="en-US" sz="1200" dirty="0">
-                <a:solidFill>
-                  <a:srgbClr val="000000"/>
-                </a:solidFill>
-                <a:latin typeface="Consolas" panose="020B0609020204030204" pitchFamily="49" charset="0"/>
-              </a:rPr>
-              <a:t>    </a:t>
-            </a:r>
-            <a:r>
-              <a:rPr lang="en-US" sz="1200" dirty="0" err="1">
-                <a:solidFill>
-                  <a:srgbClr val="000000"/>
-                </a:solidFill>
-                <a:latin typeface="Consolas" panose="020B0609020204030204" pitchFamily="49" charset="0"/>
-              </a:rPr>
-              <a:t>Console.WriteLine</a:t>
-            </a:r>
-            <a:r>
-              <a:rPr lang="en-US" sz="1200" dirty="0">
-                <a:solidFill>
-                  <a:srgbClr val="000000"/>
-                </a:solidFill>
-                <a:latin typeface="Consolas" panose="020B0609020204030204" pitchFamily="49" charset="0"/>
-              </a:rPr>
-              <a:t>(</a:t>
-            </a:r>
-            <a:r>
-              <a:rPr lang="en-US" sz="1200" dirty="0">
-                <a:solidFill>
-                  <a:srgbClr val="A31515"/>
-                </a:solidFill>
-                <a:latin typeface="Consolas" panose="020B0609020204030204" pitchFamily="49" charset="0"/>
-              </a:rPr>
-              <a:t>$"Price for </a:t>
-            </a:r>
-            <a:r>
-              <a:rPr lang="en-US" sz="1200" dirty="0">
-                <a:solidFill>
-                  <a:srgbClr val="000000"/>
-                </a:solidFill>
-                <a:latin typeface="Consolas" panose="020B0609020204030204" pitchFamily="49" charset="0"/>
-              </a:rPr>
-              <a:t>{</a:t>
-            </a:r>
-            <a:r>
-              <a:rPr lang="en-US" sz="1200" dirty="0" err="1">
-                <a:solidFill>
-                  <a:srgbClr val="000000"/>
-                </a:solidFill>
-                <a:latin typeface="Consolas" panose="020B0609020204030204" pitchFamily="49" charset="0"/>
-              </a:rPr>
-              <a:t>userchoice</a:t>
-            </a:r>
-            <a:r>
-              <a:rPr lang="en-US" sz="1200" dirty="0">
-                <a:solidFill>
-                  <a:srgbClr val="000000"/>
-                </a:solidFill>
-                <a:latin typeface="Consolas" panose="020B0609020204030204" pitchFamily="49" charset="0"/>
-              </a:rPr>
-              <a:t>}</a:t>
-            </a:r>
-            <a:r>
-              <a:rPr lang="en-US" sz="1200" dirty="0">
-                <a:solidFill>
-                  <a:srgbClr val="A31515"/>
-                </a:solidFill>
-                <a:latin typeface="Consolas" panose="020B0609020204030204" pitchFamily="49" charset="0"/>
-              </a:rPr>
-              <a:t> is </a:t>
-            </a:r>
-            <a:r>
-              <a:rPr lang="en-US" sz="1200" dirty="0">
-                <a:solidFill>
-                  <a:srgbClr val="000000"/>
-                </a:solidFill>
-                <a:latin typeface="Consolas" panose="020B0609020204030204" pitchFamily="49" charset="0"/>
-              </a:rPr>
-              <a:t>{prices[</a:t>
-            </a:r>
-            <a:r>
-              <a:rPr lang="en-US" sz="1200" dirty="0" err="1">
-                <a:solidFill>
-                  <a:srgbClr val="000000"/>
-                </a:solidFill>
-                <a:latin typeface="Consolas" panose="020B0609020204030204" pitchFamily="49" charset="0"/>
-              </a:rPr>
-              <a:t>productIndex</a:t>
-            </a:r>
-            <a:r>
-              <a:rPr lang="en-US" sz="1200" dirty="0">
-                <a:solidFill>
-                  <a:srgbClr val="000000"/>
-                </a:solidFill>
-                <a:latin typeface="Consolas" panose="020B0609020204030204" pitchFamily="49" charset="0"/>
-              </a:rPr>
-              <a:t>]}</a:t>
-            </a:r>
-            <a:r>
-              <a:rPr lang="en-US" sz="1200" dirty="0">
-                <a:solidFill>
-                  <a:srgbClr val="A31515"/>
-                </a:solidFill>
-                <a:latin typeface="Consolas" panose="020B0609020204030204" pitchFamily="49" charset="0"/>
-              </a:rPr>
-              <a:t>"</a:t>
-            </a:r>
-            <a:r>
-              <a:rPr lang="en-US" sz="1200" dirty="0">
-                <a:solidFill>
-                  <a:srgbClr val="000000"/>
-                </a:solidFill>
-                <a:latin typeface="Consolas" panose="020B0609020204030204" pitchFamily="49" charset="0"/>
-              </a:rPr>
-              <a:t>);</a:t>
-            </a:r>
-          </a:p>
-          <a:p>
-            <a:r>
-              <a:rPr lang="nl-BE" sz="1200" dirty="0">
-                <a:solidFill>
-                  <a:srgbClr val="000000"/>
-                </a:solidFill>
-                <a:latin typeface="Consolas" panose="020B0609020204030204" pitchFamily="49" charset="0"/>
-              </a:rPr>
-              <a:t>}</a:t>
-            </a:r>
-          </a:p>
-          <a:p>
-            <a:r>
-              <a:rPr lang="nl-BE" sz="1200" dirty="0" err="1">
-                <a:solidFill>
-                  <a:srgbClr val="0000FF"/>
-                </a:solidFill>
-                <a:latin typeface="Consolas" panose="020B0609020204030204" pitchFamily="49" charset="0"/>
-              </a:rPr>
-              <a:t>else</a:t>
-            </a:r>
-            <a:endParaRPr lang="nl-BE" sz="1200" dirty="0">
-              <a:solidFill>
-                <a:srgbClr val="000000"/>
-              </a:solidFill>
-              <a:latin typeface="Consolas" panose="020B0609020204030204" pitchFamily="49" charset="0"/>
-            </a:endParaRPr>
-          </a:p>
-          <a:p>
-            <a:r>
-              <a:rPr lang="nl-BE" sz="1200" dirty="0">
-                <a:solidFill>
-                  <a:srgbClr val="000000"/>
-                </a:solidFill>
-                <a:latin typeface="Consolas" panose="020B0609020204030204" pitchFamily="49" charset="0"/>
-              </a:rPr>
-              <a:t>{</a:t>
-            </a:r>
-          </a:p>
-          <a:p>
-            <a:r>
-              <a:rPr lang="nl-BE" sz="1200" dirty="0">
-                <a:solidFill>
-                  <a:srgbClr val="000000"/>
-                </a:solidFill>
-                <a:latin typeface="Consolas" panose="020B0609020204030204" pitchFamily="49" charset="0"/>
-              </a:rPr>
-              <a:t>    </a:t>
-            </a:r>
-            <a:r>
-              <a:rPr lang="nl-BE" sz="1200" dirty="0" err="1">
-                <a:solidFill>
-                  <a:srgbClr val="000000"/>
-                </a:solidFill>
-                <a:latin typeface="Consolas" panose="020B0609020204030204" pitchFamily="49" charset="0"/>
-              </a:rPr>
-              <a:t>Console.WriteLine</a:t>
-            </a:r>
-            <a:r>
-              <a:rPr lang="nl-BE" sz="1200" dirty="0">
-                <a:solidFill>
-                  <a:srgbClr val="000000"/>
-                </a:solidFill>
-                <a:latin typeface="Consolas" panose="020B0609020204030204" pitchFamily="49" charset="0"/>
-              </a:rPr>
-              <a:t>(</a:t>
-            </a:r>
-            <a:r>
-              <a:rPr lang="nl-BE" sz="1200" dirty="0">
-                <a:solidFill>
-                  <a:srgbClr val="A31515"/>
-                </a:solidFill>
-                <a:latin typeface="Consolas" panose="020B0609020204030204" pitchFamily="49" charset="0"/>
-              </a:rPr>
-              <a:t>"</a:t>
-            </a:r>
-            <a:r>
-              <a:rPr lang="nl-BE" sz="1200" dirty="0" err="1">
-                <a:solidFill>
-                  <a:srgbClr val="A31515"/>
-                </a:solidFill>
-                <a:latin typeface="Consolas" panose="020B0609020204030204" pitchFamily="49" charset="0"/>
-              </a:rPr>
-              <a:t>Not</a:t>
-            </a:r>
-            <a:r>
-              <a:rPr lang="nl-BE" sz="1200" dirty="0">
-                <a:solidFill>
-                  <a:srgbClr val="A31515"/>
-                </a:solidFill>
-                <a:latin typeface="Consolas" panose="020B0609020204030204" pitchFamily="49" charset="0"/>
-              </a:rPr>
-              <a:t> found"</a:t>
-            </a:r>
-            <a:r>
-              <a:rPr lang="nl-BE" sz="1200" dirty="0">
-                <a:solidFill>
-                  <a:srgbClr val="000000"/>
-                </a:solidFill>
-                <a:latin typeface="Consolas" panose="020B0609020204030204" pitchFamily="49" charset="0"/>
-              </a:rPr>
-              <a:t>);</a:t>
-            </a:r>
-          </a:p>
-          <a:p>
-            <a:r>
-              <a:rPr lang="nl-BE" sz="1200" dirty="0">
-                <a:solidFill>
-                  <a:srgbClr val="000000"/>
-                </a:solidFill>
-                <a:latin typeface="Consolas" panose="020B0609020204030204" pitchFamily="49" charset="0"/>
-              </a:rPr>
-              <a:t>}</a:t>
-            </a:r>
-            <a:endParaRPr lang="nl-BE" sz="1200" dirty="0"/>
-          </a:p>
-        </p:txBody>
-      </p:sp>
-    </p:spTree>
-    <p:extLst>
-      <p:ext uri="{BB962C8B-B14F-4D97-AF65-F5344CB8AC3E}">
-        <p14:creationId xmlns:p14="http://schemas.microsoft.com/office/powerpoint/2010/main" val="107446798"/>
-      </p:ext>
-    </p:extLst>
-  </p:cSld>
-  <p:clrMapOvr>
-    <a:masterClrMapping/>
-  </p:clrMapOvr>
+  <p:timing>
+    <p:tnLst>
+      <p:par>
+        <p:cTn id="1" dur="indefinite" restart="never" nodeType="tmRoot">
+          <p:childTnLst>
+            <p:seq concurrent="1" nextAc="seek">
+              <p:cTn id="2" dur="indefinite" nodeType="mainSeq">
+                <p:childTnLst>
+                  <p:par>
+                    <p:cTn id="3" fill="hold">
+                      <p:stCondLst>
+                        <p:cond delay="indefinite"/>
+                      </p:stCondLst>
+                      <p:childTnLst>
+                        <p:par>
+                          <p:cTn id="4" fill="hold">
+                            <p:stCondLst>
+                              <p:cond delay="0"/>
+                            </p:stCondLst>
+                            <p:childTnLst>
+                              <p:par>
+                                <p:cTn id="5" presetID="1" presetClass="entr" presetSubtype="0" fill="hold" nodeType="clickEffect">
+                                  <p:stCondLst>
+                                    <p:cond delay="0"/>
+                                  </p:stCondLst>
+                                  <p:childTnLst>
+                                    <p:set>
+                                      <p:cBhvr>
+                                        <p:cTn id="6" dur="1" fill="hold">
+                                          <p:stCondLst>
+                                            <p:cond delay="0"/>
+                                          </p:stCondLst>
+                                        </p:cTn>
+                                        <p:tgtEl>
+                                          <p:spTgt spid="6"/>
+                                        </p:tgtEl>
+                                        <p:attrNameLst>
+                                          <p:attrName>style.visibility</p:attrName>
+                                        </p:attrNameLst>
+                                      </p:cBhvr>
+                                      <p:to>
+                                        <p:strVal val="visible"/>
+                                      </p:to>
+                                    </p:set>
+                                  </p:childTnLst>
+                                </p:cTn>
+                              </p:par>
+                            </p:childTnLst>
+                          </p:cTn>
+                        </p:par>
+                      </p:childTnLst>
+                    </p:cTn>
+                  </p:par>
+                  <p:par>
+                    <p:cTn id="7" fill="hold">
+                      <p:stCondLst>
+                        <p:cond delay="indefinite"/>
+                      </p:stCondLst>
+                      <p:childTnLst>
+                        <p:par>
+                          <p:cTn id="8" fill="hold">
+                            <p:stCondLst>
+                              <p:cond delay="0"/>
+                            </p:stCondLst>
+                            <p:childTnLst>
+                              <p:par>
+                                <p:cTn id="9" presetID="1" presetClass="entr" presetSubtype="0" fill="hold" nodeType="clickEffect">
+                                  <p:stCondLst>
+                                    <p:cond delay="0"/>
+                                  </p:stCondLst>
+                                  <p:childTnLst>
+                                    <p:set>
+                                      <p:cBhvr>
+                                        <p:cTn id="10" dur="1" fill="hold">
+                                          <p:stCondLst>
+                                            <p:cond delay="0"/>
+                                          </p:stCondLst>
+                                        </p:cTn>
+                                        <p:tgtEl>
+                                          <p:spTgt spid="5"/>
+                                        </p:tgtEl>
+                                        <p:attrNameLst>
+                                          <p:attrName>style.visibility</p:attrName>
+                                        </p:attrNameLst>
+                                      </p:cBhvr>
+                                      <p:to>
+                                        <p:strVal val="visible"/>
+                                      </p:to>
+                                    </p:set>
+                                  </p:childTnLst>
+                                </p:cTn>
+                              </p:par>
+                            </p:childTnLst>
+                          </p:cTn>
+                        </p:par>
+                      </p:childTnLst>
+                    </p:cTn>
+                  </p:par>
+                </p:childTnLst>
+              </p:cTn>
+              <p:prevCondLst>
+                <p:cond evt="onPrev" delay="0">
+                  <p:tgtEl>
+                    <p:sldTgt/>
+                  </p:tgtEl>
+                </p:cond>
+              </p:prevCondLst>
+              <p:nextCondLst>
+                <p:cond evt="onNext" delay="0">
+                  <p:tgtEl>
+                    <p:sldTgt/>
+                  </p:tgtEl>
+                </p:cond>
+              </p:nextCondLst>
+            </p:seq>
+          </p:childTnLst>
+        </p:cTn>
+      </p:par>
+    </p:tnLst>
+  </p:timing>
 </p:sld>
 </file>
 
